--- a/Using Compressed Bytecode Traces for Slicing Java Programs.pptx
+++ b/Using Compressed Bytecode Traces for Slicing Java Programs.pptx
@@ -9,11 +9,11 @@
   </p:notesMasterIdLst>
   <p:sldIdLst>
     <p:sldId id="256" r:id="rId2"/>
-    <p:sldId id="258" r:id="rId3"/>
-    <p:sldId id="259" r:id="rId4"/>
-    <p:sldId id="277" r:id="rId5"/>
-    <p:sldId id="278" r:id="rId6"/>
-    <p:sldId id="279" r:id="rId7"/>
+    <p:sldId id="278" r:id="rId3"/>
+    <p:sldId id="279" r:id="rId4"/>
+    <p:sldId id="258" r:id="rId5"/>
+    <p:sldId id="259" r:id="rId6"/>
+    <p:sldId id="277" r:id="rId7"/>
     <p:sldId id="280" r:id="rId8"/>
     <p:sldId id="281" r:id="rId9"/>
     <p:sldId id="282" r:id="rId10"/>
@@ -253,7 +253,7 @@
           <a:p>
             <a:fld id="{325B9FFF-8847-4C87-A4C6-420DC6FE3B34}" type="datetimeFigureOut">
               <a:rPr lang="en-CA" smtClean="0"/>
-              <a:t>2025-02-15</a:t>
+              <a:t>2025-02-16</a:t>
             </a:fld>
             <a:endParaRPr lang="en-CA"/>
           </a:p>
@@ -869,7 +869,7 @@
             <a:fld id="{1D8BD707-D9CF-40AE-B4C6-C98DA3205C09}" type="datetimeFigureOut">
               <a:rPr lang="en-US" smtClean="0"/>
               <a:pPr/>
-              <a:t>2/15/2025</a:t>
+              <a:t>2/16/2025</a:t>
             </a:fld>
             <a:endParaRPr lang="en-US"/>
           </a:p>
@@ -1034,7 +1034,7 @@
             <a:fld id="{1D8BD707-D9CF-40AE-B4C6-C98DA3205C09}" type="datetimeFigureOut">
               <a:rPr lang="en-US" smtClean="0"/>
               <a:pPr/>
-              <a:t>2/15/2025</a:t>
+              <a:t>2/16/2025</a:t>
             </a:fld>
             <a:endParaRPr lang="en-US"/>
           </a:p>
@@ -1209,7 +1209,7 @@
             <a:fld id="{1D8BD707-D9CF-40AE-B4C6-C98DA3205C09}" type="datetimeFigureOut">
               <a:rPr lang="en-US" smtClean="0"/>
               <a:pPr/>
-              <a:t>2/15/2025</a:t>
+              <a:t>2/16/2025</a:t>
             </a:fld>
             <a:endParaRPr lang="en-US"/>
           </a:p>
@@ -1374,7 +1374,7 @@
             <a:fld id="{1D8BD707-D9CF-40AE-B4C6-C98DA3205C09}" type="datetimeFigureOut">
               <a:rPr lang="en-US" smtClean="0"/>
               <a:pPr/>
-              <a:t>2/15/2025</a:t>
+              <a:t>2/16/2025</a:t>
             </a:fld>
             <a:endParaRPr lang="en-US"/>
           </a:p>
@@ -1616,7 +1616,7 @@
             <a:fld id="{1D8BD707-D9CF-40AE-B4C6-C98DA3205C09}" type="datetimeFigureOut">
               <a:rPr lang="en-US" smtClean="0"/>
               <a:pPr/>
-              <a:t>2/15/2025</a:t>
+              <a:t>2/16/2025</a:t>
             </a:fld>
             <a:endParaRPr lang="en-US"/>
           </a:p>
@@ -1898,7 +1898,7 @@
             <a:fld id="{1D8BD707-D9CF-40AE-B4C6-C98DA3205C09}" type="datetimeFigureOut">
               <a:rPr lang="en-US" smtClean="0"/>
               <a:pPr/>
-              <a:t>2/15/2025</a:t>
+              <a:t>2/16/2025</a:t>
             </a:fld>
             <a:endParaRPr lang="en-US"/>
           </a:p>
@@ -2314,7 +2314,7 @@
             <a:fld id="{1D8BD707-D9CF-40AE-B4C6-C98DA3205C09}" type="datetimeFigureOut">
               <a:rPr lang="en-US" smtClean="0"/>
               <a:pPr/>
-              <a:t>2/15/2025</a:t>
+              <a:t>2/16/2025</a:t>
             </a:fld>
             <a:endParaRPr lang="en-US"/>
           </a:p>
@@ -2428,7 +2428,7 @@
             <a:fld id="{1D8BD707-D9CF-40AE-B4C6-C98DA3205C09}" type="datetimeFigureOut">
               <a:rPr lang="en-US" smtClean="0"/>
               <a:pPr/>
-              <a:t>2/15/2025</a:t>
+              <a:t>2/16/2025</a:t>
             </a:fld>
             <a:endParaRPr lang="en-US"/>
           </a:p>
@@ -2520,7 +2520,7 @@
             <a:fld id="{1D8BD707-D9CF-40AE-B4C6-C98DA3205C09}" type="datetimeFigureOut">
               <a:rPr lang="en-US" smtClean="0"/>
               <a:pPr/>
-              <a:t>2/15/2025</a:t>
+              <a:t>2/16/2025</a:t>
             </a:fld>
             <a:endParaRPr lang="en-US"/>
           </a:p>
@@ -2792,7 +2792,7 @@
             <a:fld id="{1D8BD707-D9CF-40AE-B4C6-C98DA3205C09}" type="datetimeFigureOut">
               <a:rPr lang="en-US" smtClean="0"/>
               <a:pPr/>
-              <a:t>2/15/2025</a:t>
+              <a:t>2/16/2025</a:t>
             </a:fld>
             <a:endParaRPr lang="en-US"/>
           </a:p>
@@ -3041,7 +3041,7 @@
             <a:fld id="{1D8BD707-D9CF-40AE-B4C6-C98DA3205C09}" type="datetimeFigureOut">
               <a:rPr lang="en-US" smtClean="0"/>
               <a:pPr/>
-              <a:t>2/15/2025</a:t>
+              <a:t>2/16/2025</a:t>
             </a:fld>
             <a:endParaRPr lang="en-US"/>
           </a:p>
@@ -3249,7 +3249,7 @@
             <a:fld id="{1D8BD707-D9CF-40AE-B4C6-C98DA3205C09}" type="datetimeFigureOut">
               <a:rPr lang="en-US" smtClean="0"/>
               <a:pPr/>
-              <a:t>2/15/2025</a:t>
+              <a:t>2/16/2025</a:t>
             </a:fld>
             <a:endParaRPr lang="en-US"/>
           </a:p>
@@ -9105,7 +9105,13 @@
     </p:bg>
     <p:spTree>
       <p:nvGrpSpPr>
-        <p:cNvPr id="1" name=""/>
+        <p:cNvPr id="1" name="">
+          <a:extLst>
+            <a:ext uri="{FF2B5EF4-FFF2-40B4-BE49-F238E27FC236}">
+              <a16:creationId xmlns:a16="http://schemas.microsoft.com/office/drawing/2014/main" id="{FEA36D87-D046-D69A-AFEA-48DFE9C55B55}"/>
+            </a:ext>
+          </a:extLst>
+        </p:cNvPr>
         <p:cNvGrpSpPr/>
         <p:nvPr/>
       </p:nvGrpSpPr>
@@ -9119,21 +9125,27 @@
       </p:grpSpPr>
       <p:sp>
         <p:nvSpPr>
-          <p:cNvPr id="2" name="TextBox 2"/>
+          <p:cNvPr id="2" name="TextBox 2">
+            <a:extLst>
+              <a:ext uri="{FF2B5EF4-FFF2-40B4-BE49-F238E27FC236}">
+                <a16:creationId xmlns:a16="http://schemas.microsoft.com/office/drawing/2014/main" id="{2AA37CCF-1B29-C759-0755-27921051BC93}"/>
+              </a:ext>
+            </a:extLst>
+          </p:cNvPr>
           <p:cNvSpPr txBox="1"/>
           <p:nvPr/>
         </p:nvSpPr>
         <p:spPr>
           <a:xfrm>
-            <a:off x="4455594" y="5422148"/>
-            <a:ext cx="9376809" cy="1231106"/>
+            <a:off x="2951696" y="5686817"/>
+            <a:ext cx="12384606" cy="3693319"/>
           </a:xfrm>
           <a:prstGeom prst="rect">
             <a:avLst/>
           </a:prstGeom>
         </p:spPr>
         <p:txBody>
-          <a:bodyPr lIns="0" tIns="0" rIns="0" bIns="0" rtlCol="0" anchor="t">
+          <a:bodyPr wrap="square" lIns="0" tIns="0" rIns="0" bIns="0" rtlCol="0" anchor="t">
             <a:spAutoFit/>
           </a:bodyPr>
           <a:lstStyle/>
@@ -9148,8 +9160,30 @@
             </a:pPr>
             <a:r>
               <a:rPr lang="en-CA" sz="8000" dirty="0"/>
-              <a:t>🧠 </a:t>
-            </a:r>
+              <a:t>⚙️</a:t>
+            </a:r>
+            <a:r>
+              <a:rPr lang="en-US" sz="8000" u="sng" dirty="0">
+                <a:solidFill>
+                  <a:srgbClr val="FFFFFF"/>
+                </a:solidFill>
+                <a:latin typeface="Space Mono"/>
+                <a:ea typeface="Space Mono"/>
+                <a:cs typeface="Space Mono"/>
+                <a:sym typeface="Space Mono"/>
+              </a:rPr>
+              <a:t>Dynamic Slicing</a:t>
+            </a:r>
+          </a:p>
+          <a:p>
+            <a:pPr marL="0" lvl="0" indent="0" algn="ctr">
+              <a:lnSpc>
+                <a:spcPts val="9600"/>
+              </a:lnSpc>
+              <a:spcBef>
+                <a:spcPct val="0"/>
+              </a:spcBef>
+            </a:pPr>
             <a:r>
               <a:rPr lang="en-US" sz="8000" dirty="0">
                 <a:solidFill>
@@ -9160,14 +9194,20 @@
                 <a:cs typeface="Space Mono"/>
                 <a:sym typeface="Space Mono"/>
               </a:rPr>
-              <a:t>Motivation</a:t>
-            </a:r>
-          </a:p>
-        </p:txBody>
-      </p:sp>
-      <p:sp>
-        <p:nvSpPr>
-          <p:cNvPr id="4" name="Freeform 4"/>
+              <a:t> A Debugger’s Superpower</a:t>
+            </a:r>
+          </a:p>
+        </p:txBody>
+      </p:sp>
+      <p:sp>
+        <p:nvSpPr>
+          <p:cNvPr id="4" name="Freeform 4">
+            <a:extLst>
+              <a:ext uri="{FF2B5EF4-FFF2-40B4-BE49-F238E27FC236}">
+                <a16:creationId xmlns:a16="http://schemas.microsoft.com/office/drawing/2014/main" id="{0BEAC94D-BF85-7A7F-828C-3A76E5909D1D}"/>
+              </a:ext>
+            </a:extLst>
+          </p:cNvPr>
           <p:cNvSpPr/>
           <p:nvPr/>
         </p:nvSpPr>
@@ -9226,7 +9266,13 @@
       </p:sp>
       <p:sp>
         <p:nvSpPr>
-          <p:cNvPr id="5" name="Freeform 5"/>
+          <p:cNvPr id="5" name="Freeform 5">
+            <a:extLst>
+              <a:ext uri="{FF2B5EF4-FFF2-40B4-BE49-F238E27FC236}">
+                <a16:creationId xmlns:a16="http://schemas.microsoft.com/office/drawing/2014/main" id="{681941F2-1878-291A-35F0-04DE49C3D01C}"/>
+              </a:ext>
+            </a:extLst>
+          </p:cNvPr>
           <p:cNvSpPr/>
           <p:nvPr/>
         </p:nvSpPr>
@@ -9285,7 +9331,13 @@
       </p:sp>
       <p:grpSp>
         <p:nvGrpSpPr>
-          <p:cNvPr id="6" name="Group 6"/>
+          <p:cNvPr id="6" name="Group 6">
+            <a:extLst>
+              <a:ext uri="{FF2B5EF4-FFF2-40B4-BE49-F238E27FC236}">
+                <a16:creationId xmlns:a16="http://schemas.microsoft.com/office/drawing/2014/main" id="{B061F51E-BA83-09BD-EE78-4EDC3BE20C41}"/>
+              </a:ext>
+            </a:extLst>
+          </p:cNvPr>
           <p:cNvGrpSpPr/>
           <p:nvPr/>
         </p:nvGrpSpPr>
@@ -9299,7 +9351,13 @@
         </p:grpSpPr>
         <p:sp>
           <p:nvSpPr>
-            <p:cNvPr id="7" name="Freeform 7"/>
+            <p:cNvPr id="7" name="Freeform 7">
+              <a:extLst>
+                <a:ext uri="{FF2B5EF4-FFF2-40B4-BE49-F238E27FC236}">
+                  <a16:creationId xmlns:a16="http://schemas.microsoft.com/office/drawing/2014/main" id="{1F007110-C84B-69E0-E9BF-34B7C2F43CA2}"/>
+                </a:ext>
+              </a:extLst>
+            </p:cNvPr>
             <p:cNvSpPr/>
             <p:nvPr/>
           </p:nvSpPr>
@@ -9530,7 +9588,13 @@
         </p:sp>
         <p:sp>
           <p:nvSpPr>
-            <p:cNvPr id="8" name="TextBox 8"/>
+            <p:cNvPr id="8" name="TextBox 8">
+              <a:extLst>
+                <a:ext uri="{FF2B5EF4-FFF2-40B4-BE49-F238E27FC236}">
+                  <a16:creationId xmlns:a16="http://schemas.microsoft.com/office/drawing/2014/main" id="{C5431633-CA00-4C84-9E3E-BC58C801C688}"/>
+                </a:ext>
+              </a:extLst>
+            </p:cNvPr>
             <p:cNvSpPr txBox="1"/>
             <p:nvPr/>
           </p:nvSpPr>
@@ -9559,7 +9623,13 @@
       </p:grpSp>
       <p:sp>
         <p:nvSpPr>
-          <p:cNvPr id="9" name="Freeform 9"/>
+          <p:cNvPr id="9" name="Freeform 9">
+            <a:extLst>
+              <a:ext uri="{FF2B5EF4-FFF2-40B4-BE49-F238E27FC236}">
+                <a16:creationId xmlns:a16="http://schemas.microsoft.com/office/drawing/2014/main" id="{C82E6DFC-73BF-F9A1-D015-88994C2913EA}"/>
+              </a:ext>
+            </a:extLst>
+          </p:cNvPr>
           <p:cNvSpPr/>
           <p:nvPr/>
         </p:nvSpPr>
@@ -9618,7 +9688,13 @@
       </p:sp>
       <p:sp>
         <p:nvSpPr>
-          <p:cNvPr id="10" name="Freeform 10"/>
+          <p:cNvPr id="10" name="Freeform 10">
+            <a:extLst>
+              <a:ext uri="{FF2B5EF4-FFF2-40B4-BE49-F238E27FC236}">
+                <a16:creationId xmlns:a16="http://schemas.microsoft.com/office/drawing/2014/main" id="{B98CA30D-6FFA-ACF1-A043-4EC3BFAAACBC}"/>
+              </a:ext>
+            </a:extLst>
+          </p:cNvPr>
           <p:cNvSpPr/>
           <p:nvPr/>
         </p:nvSpPr>
@@ -9677,7 +9753,13 @@
       </p:sp>
       <p:sp>
         <p:nvSpPr>
-          <p:cNvPr id="12" name="TextBox 12"/>
+          <p:cNvPr id="12" name="TextBox 12">
+            <a:extLst>
+              <a:ext uri="{FF2B5EF4-FFF2-40B4-BE49-F238E27FC236}">
+                <a16:creationId xmlns:a16="http://schemas.microsoft.com/office/drawing/2014/main" id="{6FBE8198-2630-E99C-35AE-27B454BF98E0}"/>
+              </a:ext>
+            </a:extLst>
+          </p:cNvPr>
           <p:cNvSpPr txBox="1"/>
           <p:nvPr/>
         </p:nvSpPr>
@@ -9720,6 +9802,11 @@
         </p:txBody>
       </p:sp>
     </p:spTree>
+    <p:extLst>
+      <p:ext uri="{BB962C8B-B14F-4D97-AF65-F5344CB8AC3E}">
+        <p14:creationId xmlns:p14="http://schemas.microsoft.com/office/powerpoint/2010/main" val="167871984"/>
+      </p:ext>
+    </p:extLst>
   </p:cSld>
   <p:clrMapOvr>
     <a:masterClrMapping/>
@@ -12184,1459 +12271,6 @@
     </p:bg>
     <p:spTree>
       <p:nvGrpSpPr>
-        <p:cNvPr id="1" name=""/>
-        <p:cNvGrpSpPr/>
-        <p:nvPr/>
-      </p:nvGrpSpPr>
-      <p:grpSpPr>
-        <a:xfrm>
-          <a:off x="0" y="0"/>
-          <a:ext cx="0" cy="0"/>
-          <a:chOff x="0" y="0"/>
-          <a:chExt cx="0" cy="0"/>
-        </a:xfrm>
-      </p:grpSpPr>
-      <p:sp>
-        <p:nvSpPr>
-          <p:cNvPr id="13" name="TextBox 12">
-            <a:extLst>
-              <a:ext uri="{FF2B5EF4-FFF2-40B4-BE49-F238E27FC236}">
-                <a16:creationId xmlns:a16="http://schemas.microsoft.com/office/drawing/2014/main" id="{52E1BD4A-6F1D-540A-873F-E7206C0604A3}"/>
-              </a:ext>
-            </a:extLst>
-          </p:cNvPr>
-          <p:cNvSpPr txBox="1"/>
-          <p:nvPr/>
-        </p:nvSpPr>
-        <p:spPr>
-          <a:xfrm>
-            <a:off x="1221368" y="3086100"/>
-            <a:ext cx="15163800" cy="3709349"/>
-          </a:xfrm>
-          <a:prstGeom prst="rect">
-            <a:avLst/>
-          </a:prstGeom>
-          <a:noFill/>
-        </p:spPr>
-        <p:txBody>
-          <a:bodyPr wrap="square" rtlCol="0" anchor="ctr">
-            <a:spAutoFit/>
-          </a:bodyPr>
-          <a:lstStyle/>
-          <a:p>
-            <a:pPr marL="457200" indent="-457200">
-              <a:lnSpc>
-                <a:spcPct val="150000"/>
-              </a:lnSpc>
-              <a:buFont typeface="Wingdings" panose="05000000000000000000" pitchFamily="2" charset="2"/>
-              <a:buChar char="q"/>
-            </a:pPr>
-            <a:r>
-              <a:rPr lang="en-US" sz="3200" dirty="0">
-                <a:solidFill>
-                  <a:schemeClr val="bg1"/>
-                </a:solidFill>
-              </a:rPr>
-              <a:t>Debugging Java programs requires </a:t>
-            </a:r>
-            <a:r>
-              <a:rPr lang="en-US" sz="3200" b="1" dirty="0">
-                <a:solidFill>
-                  <a:schemeClr val="bg1"/>
-                </a:solidFill>
-              </a:rPr>
-              <a:t>analyzing huge execution traces</a:t>
-            </a:r>
-            <a:r>
-              <a:rPr lang="en-US" sz="3200" dirty="0">
-                <a:solidFill>
-                  <a:schemeClr val="bg1"/>
-                </a:solidFill>
-              </a:rPr>
-              <a:t>.</a:t>
-            </a:r>
-          </a:p>
-          <a:p>
-            <a:pPr marL="457200" indent="-457200">
-              <a:lnSpc>
-                <a:spcPct val="150000"/>
-              </a:lnSpc>
-              <a:buFont typeface="Wingdings" panose="05000000000000000000" pitchFamily="2" charset="2"/>
-              <a:buChar char="q"/>
-            </a:pPr>
-            <a:r>
-              <a:rPr lang="en-US" sz="3200" dirty="0">
-                <a:solidFill>
-                  <a:schemeClr val="bg1"/>
-                </a:solidFill>
-              </a:rPr>
-              <a:t>Traditional methods store </a:t>
-            </a:r>
-            <a:r>
-              <a:rPr lang="en-US" sz="3200" b="1" dirty="0">
-                <a:solidFill>
-                  <a:schemeClr val="bg1"/>
-                </a:solidFill>
-              </a:rPr>
-              <a:t>massive trace logs</a:t>
-            </a:r>
-            <a:r>
-              <a:rPr lang="en-US" sz="3200" dirty="0">
-                <a:solidFill>
-                  <a:schemeClr val="bg1"/>
-                </a:solidFill>
-              </a:rPr>
-              <a:t> — inefficient for memory and time.</a:t>
-            </a:r>
-          </a:p>
-          <a:p>
-            <a:pPr marL="457200" indent="-457200">
-              <a:lnSpc>
-                <a:spcPct val="150000"/>
-              </a:lnSpc>
-              <a:buFont typeface="Wingdings" panose="05000000000000000000" pitchFamily="2" charset="2"/>
-              <a:buChar char="q"/>
-            </a:pPr>
-            <a:r>
-              <a:rPr lang="en-US" sz="3200" b="1" dirty="0">
-                <a:solidFill>
-                  <a:schemeClr val="bg1"/>
-                </a:solidFill>
-              </a:rPr>
-              <a:t>Dynamic slicing</a:t>
-            </a:r>
-            <a:r>
-              <a:rPr lang="en-US" sz="3200" dirty="0">
-                <a:solidFill>
-                  <a:schemeClr val="bg1"/>
-                </a:solidFill>
-              </a:rPr>
-              <a:t> helps, but:</a:t>
-            </a:r>
-          </a:p>
-          <a:p>
-            <a:pPr marL="914400" lvl="1" indent="-457200">
-              <a:lnSpc>
-                <a:spcPct val="150000"/>
-              </a:lnSpc>
-              <a:buFont typeface="Wingdings" panose="05000000000000000000" pitchFamily="2" charset="2"/>
-              <a:buChar char="§"/>
-            </a:pPr>
-            <a:r>
-              <a:rPr lang="en-US" sz="3200" dirty="0">
-                <a:solidFill>
-                  <a:schemeClr val="bg1"/>
-                </a:solidFill>
-              </a:rPr>
-              <a:t>Traces can reach </a:t>
-            </a:r>
-            <a:r>
-              <a:rPr lang="en-US" sz="3200" b="1" dirty="0">
-                <a:solidFill>
-                  <a:schemeClr val="bg1"/>
-                </a:solidFill>
-              </a:rPr>
-              <a:t>hundreds of millions of instructions.</a:t>
-            </a:r>
-          </a:p>
-          <a:p>
-            <a:pPr marL="914400" lvl="1" indent="-457200">
-              <a:lnSpc>
-                <a:spcPct val="150000"/>
-              </a:lnSpc>
-              <a:buFont typeface="Wingdings" panose="05000000000000000000" pitchFamily="2" charset="2"/>
-              <a:buChar char="§"/>
-            </a:pPr>
-            <a:r>
-              <a:rPr lang="en-US" sz="3200" dirty="0">
-                <a:solidFill>
-                  <a:schemeClr val="bg1"/>
-                </a:solidFill>
-              </a:rPr>
-              <a:t>Decompressing them for analysis is slow and costly.</a:t>
-            </a:r>
-          </a:p>
-        </p:txBody>
-      </p:sp>
-      <p:sp>
-        <p:nvSpPr>
-          <p:cNvPr id="17" name="Freeform 6">
-            <a:extLst>
-              <a:ext uri="{FF2B5EF4-FFF2-40B4-BE49-F238E27FC236}">
-                <a16:creationId xmlns:a16="http://schemas.microsoft.com/office/drawing/2014/main" id="{24D78465-0E22-DEE5-B170-B5FCA0125663}"/>
-              </a:ext>
-            </a:extLst>
-          </p:cNvPr>
-          <p:cNvSpPr/>
-          <p:nvPr/>
-        </p:nvSpPr>
-        <p:spPr>
-          <a:xfrm rot="2899875" flipV="1">
-            <a:off x="3606" y="816120"/>
-            <a:ext cx="1766883" cy="744163"/>
-          </a:xfrm>
-          <a:custGeom>
-            <a:avLst/>
-            <a:gdLst/>
-            <a:ahLst/>
-            <a:cxnLst/>
-            <a:rect l="l" t="t" r="r" b="b"/>
-            <a:pathLst>
-              <a:path w="2508116" h="1071650">
-                <a:moveTo>
-                  <a:pt x="0" y="1071649"/>
-                </a:moveTo>
-                <a:lnTo>
-                  <a:pt x="2508116" y="1071649"/>
-                </a:lnTo>
-                <a:lnTo>
-                  <a:pt x="2508116" y="0"/>
-                </a:lnTo>
-                <a:lnTo>
-                  <a:pt x="0" y="0"/>
-                </a:lnTo>
-                <a:lnTo>
-                  <a:pt x="0" y="1071649"/>
-                </a:lnTo>
-                <a:close/>
-              </a:path>
-            </a:pathLst>
-          </a:custGeom>
-          <a:blipFill>
-            <a:blip r:embed="rId2">
-              <a:extLst>
-                <a:ext uri="{96DAC541-7B7A-43D3-8B79-37D633B846F1}">
-                  <asvg:svgBlip xmlns:asvg="http://schemas.microsoft.com/office/drawing/2016/SVG/main" r:embed="rId3"/>
-                </a:ext>
-              </a:extLst>
-            </a:blip>
-            <a:stretch>
-              <a:fillRect/>
-            </a:stretch>
-          </a:blipFill>
-        </p:spPr>
-        <p:txBody>
-          <a:bodyPr/>
-          <a:lstStyle/>
-          <a:p>
-            <a:endParaRPr lang="en-CA" dirty="0"/>
-          </a:p>
-        </p:txBody>
-      </p:sp>
-      <p:sp>
-        <p:nvSpPr>
-          <p:cNvPr id="18" name="Freeform 5">
-            <a:extLst>
-              <a:ext uri="{FF2B5EF4-FFF2-40B4-BE49-F238E27FC236}">
-                <a16:creationId xmlns:a16="http://schemas.microsoft.com/office/drawing/2014/main" id="{5C04AC67-E79F-4F88-3834-07E2A92BC3F0}"/>
-              </a:ext>
-            </a:extLst>
-          </p:cNvPr>
-          <p:cNvSpPr/>
-          <p:nvPr/>
-        </p:nvSpPr>
-        <p:spPr>
-          <a:xfrm rot="2700000">
-            <a:off x="10703478" y="1494350"/>
-            <a:ext cx="11359026" cy="3512253"/>
-          </a:xfrm>
-          <a:custGeom>
-            <a:avLst/>
-            <a:gdLst/>
-            <a:ahLst/>
-            <a:cxnLst/>
-            <a:rect l="l" t="t" r="r" b="b"/>
-            <a:pathLst>
-              <a:path w="11359026" h="3512253">
-                <a:moveTo>
-                  <a:pt x="0" y="0"/>
-                </a:moveTo>
-                <a:lnTo>
-                  <a:pt x="11359026" y="0"/>
-                </a:lnTo>
-                <a:lnTo>
-                  <a:pt x="11359026" y="3512254"/>
-                </a:lnTo>
-                <a:lnTo>
-                  <a:pt x="0" y="3512254"/>
-                </a:lnTo>
-                <a:lnTo>
-                  <a:pt x="0" y="0"/>
-                </a:lnTo>
-                <a:close/>
-              </a:path>
-            </a:pathLst>
-          </a:custGeom>
-          <a:blipFill>
-            <a:blip r:embed="rId4">
-              <a:extLst>
-                <a:ext uri="{96DAC541-7B7A-43D3-8B79-37D633B846F1}">
-                  <asvg:svgBlip xmlns:asvg="http://schemas.microsoft.com/office/drawing/2016/SVG/main" r:embed="rId5"/>
-                </a:ext>
-              </a:extLst>
-            </a:blip>
-            <a:stretch>
-              <a:fillRect/>
-            </a:stretch>
-          </a:blipFill>
-        </p:spPr>
-        <p:txBody>
-          <a:bodyPr/>
-          <a:lstStyle/>
-          <a:p>
-            <a:endParaRPr lang="en-CA"/>
-          </a:p>
-        </p:txBody>
-      </p:sp>
-    </p:spTree>
-  </p:cSld>
-  <p:clrMapOvr>
-    <a:masterClrMapping/>
-  </p:clrMapOvr>
-</p:sld>
-</file>
-
-<file path=ppt/slides/slide4.xml><?xml version="1.0" encoding="utf-8"?>
-<p:sld xmlns:a="http://schemas.openxmlformats.org/drawingml/2006/main" xmlns:r="http://schemas.openxmlformats.org/officeDocument/2006/relationships" xmlns:p="http://schemas.openxmlformats.org/presentationml/2006/main">
-  <p:cSld>
-    <p:bg>
-      <p:bgPr>
-        <a:gradFill rotWithShape="1">
-          <a:gsLst>
-            <a:gs pos="0">
-              <a:srgbClr val="2A2D32">
-                <a:alpha val="100000"/>
-              </a:srgbClr>
-            </a:gs>
-            <a:gs pos="100000">
-              <a:srgbClr val="2D2BAB">
-                <a:alpha val="100000"/>
-              </a:srgbClr>
-            </a:gs>
-          </a:gsLst>
-          <a:lin ang="0"/>
-        </a:gradFill>
-        <a:effectLst/>
-      </p:bgPr>
-    </p:bg>
-    <p:spTree>
-      <p:nvGrpSpPr>
-        <p:cNvPr id="1" name="">
-          <a:extLst>
-            <a:ext uri="{FF2B5EF4-FFF2-40B4-BE49-F238E27FC236}">
-              <a16:creationId xmlns:a16="http://schemas.microsoft.com/office/drawing/2014/main" id="{004FEB2F-DD37-0069-1B30-63FECE595095}"/>
-            </a:ext>
-          </a:extLst>
-        </p:cNvPr>
-        <p:cNvGrpSpPr/>
-        <p:nvPr/>
-      </p:nvGrpSpPr>
-      <p:grpSpPr>
-        <a:xfrm>
-          <a:off x="0" y="0"/>
-          <a:ext cx="0" cy="0"/>
-          <a:chOff x="0" y="0"/>
-          <a:chExt cx="0" cy="0"/>
-        </a:xfrm>
-      </p:grpSpPr>
-      <p:sp>
-        <p:nvSpPr>
-          <p:cNvPr id="18" name="Freeform 5">
-            <a:extLst>
-              <a:ext uri="{FF2B5EF4-FFF2-40B4-BE49-F238E27FC236}">
-                <a16:creationId xmlns:a16="http://schemas.microsoft.com/office/drawing/2014/main" id="{3B0A9170-5226-039C-AE8B-D88A2496BC9A}"/>
-              </a:ext>
-            </a:extLst>
-          </p:cNvPr>
-          <p:cNvSpPr/>
-          <p:nvPr/>
-        </p:nvSpPr>
-        <p:spPr>
-          <a:xfrm rot="2700000">
-            <a:off x="-3469721" y="6130573"/>
-            <a:ext cx="11359026" cy="3512253"/>
-          </a:xfrm>
-          <a:custGeom>
-            <a:avLst/>
-            <a:gdLst/>
-            <a:ahLst/>
-            <a:cxnLst/>
-            <a:rect l="l" t="t" r="r" b="b"/>
-            <a:pathLst>
-              <a:path w="11359026" h="3512253">
-                <a:moveTo>
-                  <a:pt x="0" y="0"/>
-                </a:moveTo>
-                <a:lnTo>
-                  <a:pt x="11359026" y="0"/>
-                </a:lnTo>
-                <a:lnTo>
-                  <a:pt x="11359026" y="3512254"/>
-                </a:lnTo>
-                <a:lnTo>
-                  <a:pt x="0" y="3512254"/>
-                </a:lnTo>
-                <a:lnTo>
-                  <a:pt x="0" y="0"/>
-                </a:lnTo>
-                <a:close/>
-              </a:path>
-            </a:pathLst>
-          </a:custGeom>
-          <a:blipFill>
-            <a:blip r:embed="rId2">
-              <a:extLst>
-                <a:ext uri="{96DAC541-7B7A-43D3-8B79-37D633B846F1}">
-                  <asvg:svgBlip xmlns:asvg="http://schemas.microsoft.com/office/drawing/2016/SVG/main" r:embed="rId3"/>
-                </a:ext>
-              </a:extLst>
-            </a:blip>
-            <a:stretch>
-              <a:fillRect/>
-            </a:stretch>
-          </a:blipFill>
-        </p:spPr>
-        <p:txBody>
-          <a:bodyPr/>
-          <a:lstStyle/>
-          <a:p>
-            <a:endParaRPr lang="en-CA" dirty="0"/>
-          </a:p>
-        </p:txBody>
-      </p:sp>
-      <p:sp>
-        <p:nvSpPr>
-          <p:cNvPr id="2" name="TextBox 1">
-            <a:extLst>
-              <a:ext uri="{FF2B5EF4-FFF2-40B4-BE49-F238E27FC236}">
-                <a16:creationId xmlns:a16="http://schemas.microsoft.com/office/drawing/2014/main" id="{D4B74A50-ACD8-8AAD-7548-2B0980094B50}"/>
-              </a:ext>
-            </a:extLst>
-          </p:cNvPr>
-          <p:cNvSpPr txBox="1"/>
-          <p:nvPr/>
-        </p:nvSpPr>
-        <p:spPr>
-          <a:xfrm>
-            <a:off x="990600" y="1882229"/>
-            <a:ext cx="17602200" cy="1493358"/>
-          </a:xfrm>
-          <a:prstGeom prst="rect">
-            <a:avLst/>
-          </a:prstGeom>
-          <a:noFill/>
-        </p:spPr>
-        <p:txBody>
-          <a:bodyPr wrap="square" rtlCol="0" anchor="ctr">
-            <a:spAutoFit/>
-          </a:bodyPr>
-          <a:lstStyle/>
-          <a:p>
-            <a:pPr marL="457200" indent="-457200">
-              <a:lnSpc>
-                <a:spcPct val="150000"/>
-              </a:lnSpc>
-              <a:buFont typeface="Wingdings" panose="05000000000000000000" pitchFamily="2" charset="2"/>
-              <a:buChar char="q"/>
-            </a:pPr>
-            <a:r>
-              <a:rPr lang="en-US" sz="3200" dirty="0">
-                <a:solidFill>
-                  <a:schemeClr val="bg1"/>
-                </a:solidFill>
-              </a:rPr>
-              <a:t>The authors propose </a:t>
-            </a:r>
-            <a:r>
-              <a:rPr lang="en-US" sz="3200" b="1" dirty="0">
-                <a:solidFill>
-                  <a:schemeClr val="bg1"/>
-                </a:solidFill>
-              </a:rPr>
-              <a:t>compressing traces on-the-fly</a:t>
-            </a:r>
-            <a:r>
-              <a:rPr lang="en-US" sz="3200" dirty="0">
-                <a:solidFill>
-                  <a:schemeClr val="bg1"/>
-                </a:solidFill>
-              </a:rPr>
-              <a:t> using </a:t>
-            </a:r>
-            <a:r>
-              <a:rPr lang="en-US" sz="3200" b="1" dirty="0">
-                <a:solidFill>
-                  <a:schemeClr val="bg1"/>
-                </a:solidFill>
-              </a:rPr>
-              <a:t>RLESe (Run-Length Encoding SEQUITUR).</a:t>
-            </a:r>
-          </a:p>
-          <a:p>
-            <a:pPr marL="457200" indent="-457200">
-              <a:lnSpc>
-                <a:spcPct val="150000"/>
-              </a:lnSpc>
-              <a:buFont typeface="Wingdings" panose="05000000000000000000" pitchFamily="2" charset="2"/>
-              <a:buChar char="q"/>
-            </a:pPr>
-            <a:r>
-              <a:rPr lang="en-US" sz="3200" dirty="0">
-                <a:solidFill>
-                  <a:schemeClr val="bg1"/>
-                </a:solidFill>
-              </a:rPr>
-              <a:t>Debugging can now happen </a:t>
-            </a:r>
-            <a:r>
-              <a:rPr lang="en-US" sz="3200" b="1" dirty="0">
-                <a:solidFill>
-                  <a:schemeClr val="bg1"/>
-                </a:solidFill>
-              </a:rPr>
-              <a:t>directly on compressed traces</a:t>
-            </a:r>
-            <a:r>
-              <a:rPr lang="en-US" sz="3200" dirty="0">
-                <a:solidFill>
-                  <a:schemeClr val="bg1"/>
-                </a:solidFill>
-              </a:rPr>
-              <a:t> — no decompression needed.</a:t>
-            </a:r>
-          </a:p>
-        </p:txBody>
-      </p:sp>
-      <p:sp>
-        <p:nvSpPr>
-          <p:cNvPr id="5" name="TextBox 4">
-            <a:extLst>
-              <a:ext uri="{FF2B5EF4-FFF2-40B4-BE49-F238E27FC236}">
-                <a16:creationId xmlns:a16="http://schemas.microsoft.com/office/drawing/2014/main" id="{2820A4E8-53EE-B3FF-B815-05A5B8CECA83}"/>
-              </a:ext>
-            </a:extLst>
-          </p:cNvPr>
-          <p:cNvSpPr txBox="1"/>
-          <p:nvPr/>
-        </p:nvSpPr>
-        <p:spPr>
-          <a:xfrm>
-            <a:off x="4953000" y="6987114"/>
-            <a:ext cx="9753600" cy="1493358"/>
-          </a:xfrm>
-          <a:prstGeom prst="rect">
-            <a:avLst/>
-          </a:prstGeom>
-          <a:noFill/>
-        </p:spPr>
-        <p:txBody>
-          <a:bodyPr wrap="square" rtlCol="0" anchor="ctr">
-            <a:spAutoFit/>
-          </a:bodyPr>
-          <a:lstStyle/>
-          <a:p>
-            <a:pPr lvl="1">
-              <a:lnSpc>
-                <a:spcPct val="150000"/>
-              </a:lnSpc>
-            </a:pPr>
-            <a:r>
-              <a:rPr lang="en-US" sz="3200" dirty="0">
-                <a:solidFill>
-                  <a:schemeClr val="bg1"/>
-                </a:solidFill>
-              </a:rPr>
-              <a:t>Debugging should work like checking a summary of repeated actions instead of reading every single detail.</a:t>
-            </a:r>
-          </a:p>
-        </p:txBody>
-      </p:sp>
-      <p:sp>
-        <p:nvSpPr>
-          <p:cNvPr id="3" name="TextBox 2">
-            <a:extLst>
-              <a:ext uri="{FF2B5EF4-FFF2-40B4-BE49-F238E27FC236}">
-                <a16:creationId xmlns:a16="http://schemas.microsoft.com/office/drawing/2014/main" id="{9D4617BA-52E2-9EF4-C369-F88C1EC5B859}"/>
-              </a:ext>
-            </a:extLst>
-          </p:cNvPr>
-          <p:cNvSpPr txBox="1"/>
-          <p:nvPr/>
-        </p:nvSpPr>
-        <p:spPr>
-          <a:xfrm>
-            <a:off x="7876608" y="5905500"/>
-            <a:ext cx="2534784" cy="712283"/>
-          </a:xfrm>
-          <a:prstGeom prst="rect">
-            <a:avLst/>
-          </a:prstGeom>
-          <a:noFill/>
-        </p:spPr>
-        <p:txBody>
-          <a:bodyPr wrap="square" rtlCol="0">
-            <a:spAutoFit/>
-          </a:bodyPr>
-          <a:lstStyle/>
-          <a:p>
-            <a:r>
-              <a:rPr lang="en-CA" sz="4800" b="1" dirty="0">
-                <a:solidFill>
-                  <a:schemeClr val="bg1"/>
-                </a:solidFill>
-                <a:latin typeface="Bradley Hand ITC" panose="03070402050302030203" pitchFamily="66" charset="0"/>
-              </a:rPr>
-              <a:t>Insight</a:t>
-            </a:r>
-            <a:r>
-              <a:rPr lang="en-CA" sz="4800" b="1" dirty="0">
-                <a:solidFill>
-                  <a:schemeClr val="bg1"/>
-                </a:solidFill>
-                <a:latin typeface="Baguet Script" panose="020F0502020204030204" pitchFamily="2" charset="0"/>
-              </a:rPr>
-              <a:t> ?</a:t>
-            </a:r>
-          </a:p>
-        </p:txBody>
-      </p:sp>
-      <p:sp>
-        <p:nvSpPr>
-          <p:cNvPr id="14" name="Freeform 6">
-            <a:extLst>
-              <a:ext uri="{FF2B5EF4-FFF2-40B4-BE49-F238E27FC236}">
-                <a16:creationId xmlns:a16="http://schemas.microsoft.com/office/drawing/2014/main" id="{1C010FB5-D017-B007-494C-FB40F2AC0D6C}"/>
-              </a:ext>
-            </a:extLst>
-          </p:cNvPr>
-          <p:cNvSpPr/>
-          <p:nvPr/>
-        </p:nvSpPr>
-        <p:spPr>
-          <a:xfrm rot="1966725" flipV="1">
-            <a:off x="5187993" y="4477151"/>
-            <a:ext cx="2370650" cy="1116352"/>
-          </a:xfrm>
-          <a:custGeom>
-            <a:avLst/>
-            <a:gdLst/>
-            <a:ahLst/>
-            <a:cxnLst/>
-            <a:rect l="l" t="t" r="r" b="b"/>
-            <a:pathLst>
-              <a:path w="2508116" h="1071650">
-                <a:moveTo>
-                  <a:pt x="0" y="1071649"/>
-                </a:moveTo>
-                <a:lnTo>
-                  <a:pt x="2508116" y="1071649"/>
-                </a:lnTo>
-                <a:lnTo>
-                  <a:pt x="2508116" y="0"/>
-                </a:lnTo>
-                <a:lnTo>
-                  <a:pt x="0" y="0"/>
-                </a:lnTo>
-                <a:lnTo>
-                  <a:pt x="0" y="1071649"/>
-                </a:lnTo>
-                <a:close/>
-              </a:path>
-            </a:pathLst>
-          </a:custGeom>
-          <a:blipFill>
-            <a:blip r:embed="rId4">
-              <a:extLst>
-                <a:ext uri="{96DAC541-7B7A-43D3-8B79-37D633B846F1}">
-                  <asvg:svgBlip xmlns:asvg="http://schemas.microsoft.com/office/drawing/2016/SVG/main" r:embed="rId5"/>
-                </a:ext>
-              </a:extLst>
-            </a:blip>
-            <a:stretch>
-              <a:fillRect/>
-            </a:stretch>
-          </a:blipFill>
-        </p:spPr>
-        <p:txBody>
-          <a:bodyPr/>
-          <a:lstStyle/>
-          <a:p>
-            <a:endParaRPr lang="en-CA" dirty="0"/>
-          </a:p>
-        </p:txBody>
-      </p:sp>
-    </p:spTree>
-    <p:extLst>
-      <p:ext uri="{BB962C8B-B14F-4D97-AF65-F5344CB8AC3E}">
-        <p14:creationId xmlns:p14="http://schemas.microsoft.com/office/powerpoint/2010/main" val="2876854958"/>
-      </p:ext>
-    </p:extLst>
-  </p:cSld>
-  <p:clrMapOvr>
-    <a:masterClrMapping/>
-  </p:clrMapOvr>
-</p:sld>
-</file>
-
-<file path=ppt/slides/slide5.xml><?xml version="1.0" encoding="utf-8"?>
-<p:sld xmlns:a="http://schemas.openxmlformats.org/drawingml/2006/main" xmlns:r="http://schemas.openxmlformats.org/officeDocument/2006/relationships" xmlns:p="http://schemas.openxmlformats.org/presentationml/2006/main">
-  <p:cSld>
-    <p:bg>
-      <p:bgPr>
-        <a:gradFill rotWithShape="1">
-          <a:gsLst>
-            <a:gs pos="0">
-              <a:srgbClr val="2A2D32">
-                <a:alpha val="100000"/>
-              </a:srgbClr>
-            </a:gs>
-            <a:gs pos="100000">
-              <a:srgbClr val="2D2BAB">
-                <a:alpha val="100000"/>
-              </a:srgbClr>
-            </a:gs>
-          </a:gsLst>
-          <a:lin ang="0"/>
-        </a:gradFill>
-        <a:effectLst/>
-      </p:bgPr>
-    </p:bg>
-    <p:spTree>
-      <p:nvGrpSpPr>
-        <p:cNvPr id="1" name="">
-          <a:extLst>
-            <a:ext uri="{FF2B5EF4-FFF2-40B4-BE49-F238E27FC236}">
-              <a16:creationId xmlns:a16="http://schemas.microsoft.com/office/drawing/2014/main" id="{FEA36D87-D046-D69A-AFEA-48DFE9C55B55}"/>
-            </a:ext>
-          </a:extLst>
-        </p:cNvPr>
-        <p:cNvGrpSpPr/>
-        <p:nvPr/>
-      </p:nvGrpSpPr>
-      <p:grpSpPr>
-        <a:xfrm>
-          <a:off x="0" y="0"/>
-          <a:ext cx="0" cy="0"/>
-          <a:chOff x="0" y="0"/>
-          <a:chExt cx="0" cy="0"/>
-        </a:xfrm>
-      </p:grpSpPr>
-      <p:sp>
-        <p:nvSpPr>
-          <p:cNvPr id="2" name="TextBox 2">
-            <a:extLst>
-              <a:ext uri="{FF2B5EF4-FFF2-40B4-BE49-F238E27FC236}">
-                <a16:creationId xmlns:a16="http://schemas.microsoft.com/office/drawing/2014/main" id="{2AA37CCF-1B29-C759-0755-27921051BC93}"/>
-              </a:ext>
-            </a:extLst>
-          </p:cNvPr>
-          <p:cNvSpPr txBox="1"/>
-          <p:nvPr/>
-        </p:nvSpPr>
-        <p:spPr>
-          <a:xfrm>
-            <a:off x="2951696" y="5686817"/>
-            <a:ext cx="12384606" cy="3693319"/>
-          </a:xfrm>
-          <a:prstGeom prst="rect">
-            <a:avLst/>
-          </a:prstGeom>
-        </p:spPr>
-        <p:txBody>
-          <a:bodyPr wrap="square" lIns="0" tIns="0" rIns="0" bIns="0" rtlCol="0" anchor="t">
-            <a:spAutoFit/>
-          </a:bodyPr>
-          <a:lstStyle/>
-          <a:p>
-            <a:pPr marL="0" lvl="0" indent="0" algn="ctr">
-              <a:lnSpc>
-                <a:spcPts val="9600"/>
-              </a:lnSpc>
-              <a:spcBef>
-                <a:spcPct val="0"/>
-              </a:spcBef>
-            </a:pPr>
-            <a:r>
-              <a:rPr lang="en-CA" sz="8000" dirty="0"/>
-              <a:t>⚙️</a:t>
-            </a:r>
-            <a:r>
-              <a:rPr lang="en-US" sz="8000" u="sng" dirty="0">
-                <a:solidFill>
-                  <a:srgbClr val="FFFFFF"/>
-                </a:solidFill>
-                <a:latin typeface="Space Mono"/>
-                <a:ea typeface="Space Mono"/>
-                <a:cs typeface="Space Mono"/>
-                <a:sym typeface="Space Mono"/>
-              </a:rPr>
-              <a:t>Dynamic Slicing</a:t>
-            </a:r>
-          </a:p>
-          <a:p>
-            <a:pPr marL="0" lvl="0" indent="0" algn="ctr">
-              <a:lnSpc>
-                <a:spcPts val="9600"/>
-              </a:lnSpc>
-              <a:spcBef>
-                <a:spcPct val="0"/>
-              </a:spcBef>
-            </a:pPr>
-            <a:r>
-              <a:rPr lang="en-US" sz="8000" dirty="0">
-                <a:solidFill>
-                  <a:srgbClr val="FFFFFF"/>
-                </a:solidFill>
-                <a:latin typeface="Space Mono"/>
-                <a:ea typeface="Space Mono"/>
-                <a:cs typeface="Space Mono"/>
-                <a:sym typeface="Space Mono"/>
-              </a:rPr>
-              <a:t> A Debugger’s Superpower</a:t>
-            </a:r>
-          </a:p>
-        </p:txBody>
-      </p:sp>
-      <p:sp>
-        <p:nvSpPr>
-          <p:cNvPr id="4" name="Freeform 4">
-            <a:extLst>
-              <a:ext uri="{FF2B5EF4-FFF2-40B4-BE49-F238E27FC236}">
-                <a16:creationId xmlns:a16="http://schemas.microsoft.com/office/drawing/2014/main" id="{0BEAC94D-BF85-7A7F-828C-3A76E5909D1D}"/>
-              </a:ext>
-            </a:extLst>
-          </p:cNvPr>
-          <p:cNvSpPr/>
-          <p:nvPr/>
-        </p:nvSpPr>
-        <p:spPr>
-          <a:xfrm rot="2700000">
-            <a:off x="10304634" y="1311308"/>
-            <a:ext cx="11359026" cy="3512253"/>
-          </a:xfrm>
-          <a:custGeom>
-            <a:avLst/>
-            <a:gdLst/>
-            <a:ahLst/>
-            <a:cxnLst/>
-            <a:rect l="l" t="t" r="r" b="b"/>
-            <a:pathLst>
-              <a:path w="11359026" h="3512253">
-                <a:moveTo>
-                  <a:pt x="0" y="0"/>
-                </a:moveTo>
-                <a:lnTo>
-                  <a:pt x="11359026" y="0"/>
-                </a:lnTo>
-                <a:lnTo>
-                  <a:pt x="11359026" y="3512253"/>
-                </a:lnTo>
-                <a:lnTo>
-                  <a:pt x="0" y="3512253"/>
-                </a:lnTo>
-                <a:lnTo>
-                  <a:pt x="0" y="0"/>
-                </a:lnTo>
-                <a:close/>
-              </a:path>
-            </a:pathLst>
-          </a:custGeom>
-          <a:blipFill>
-            <a:blip r:embed="rId2">
-              <a:extLst>
-                <a:ext uri="{96DAC541-7B7A-43D3-8B79-37D633B846F1}">
-                  <asvg:svgBlip xmlns:asvg="http://schemas.microsoft.com/office/drawing/2016/SVG/main" r:embed="rId3"/>
-                </a:ext>
-              </a:extLst>
-            </a:blip>
-            <a:stretch>
-              <a:fillRect/>
-            </a:stretch>
-          </a:blipFill>
-        </p:spPr>
-        <p:txBody>
-          <a:bodyPr/>
-          <a:lstStyle/>
-          <a:p>
-            <a:endParaRPr lang="en-CA"/>
-          </a:p>
-        </p:txBody>
-      </p:sp>
-      <p:sp>
-        <p:nvSpPr>
-          <p:cNvPr id="5" name="Freeform 5">
-            <a:extLst>
-              <a:ext uri="{FF2B5EF4-FFF2-40B4-BE49-F238E27FC236}">
-                <a16:creationId xmlns:a16="http://schemas.microsoft.com/office/drawing/2014/main" id="{681941F2-1878-291A-35F0-04DE49C3D01C}"/>
-              </a:ext>
-            </a:extLst>
-          </p:cNvPr>
-          <p:cNvSpPr/>
-          <p:nvPr/>
-        </p:nvSpPr>
-        <p:spPr>
-          <a:xfrm rot="2700000">
-            <a:off x="-5958859" y="4758973"/>
-            <a:ext cx="11359026" cy="3512253"/>
-          </a:xfrm>
-          <a:custGeom>
-            <a:avLst/>
-            <a:gdLst/>
-            <a:ahLst/>
-            <a:cxnLst/>
-            <a:rect l="l" t="t" r="r" b="b"/>
-            <a:pathLst>
-              <a:path w="11359026" h="3512253">
-                <a:moveTo>
-                  <a:pt x="0" y="0"/>
-                </a:moveTo>
-                <a:lnTo>
-                  <a:pt x="11359026" y="0"/>
-                </a:lnTo>
-                <a:lnTo>
-                  <a:pt x="11359026" y="3512254"/>
-                </a:lnTo>
-                <a:lnTo>
-                  <a:pt x="0" y="3512254"/>
-                </a:lnTo>
-                <a:lnTo>
-                  <a:pt x="0" y="0"/>
-                </a:lnTo>
-                <a:close/>
-              </a:path>
-            </a:pathLst>
-          </a:custGeom>
-          <a:blipFill>
-            <a:blip r:embed="rId2">
-              <a:extLst>
-                <a:ext uri="{96DAC541-7B7A-43D3-8B79-37D633B846F1}">
-                  <asvg:svgBlip xmlns:asvg="http://schemas.microsoft.com/office/drawing/2016/SVG/main" r:embed="rId3"/>
-                </a:ext>
-              </a:extLst>
-            </a:blip>
-            <a:stretch>
-              <a:fillRect/>
-            </a:stretch>
-          </a:blipFill>
-        </p:spPr>
-        <p:txBody>
-          <a:bodyPr/>
-          <a:lstStyle/>
-          <a:p>
-            <a:endParaRPr lang="en-CA"/>
-          </a:p>
-        </p:txBody>
-      </p:sp>
-      <p:grpSp>
-        <p:nvGrpSpPr>
-          <p:cNvPr id="6" name="Group 6">
-            <a:extLst>
-              <a:ext uri="{FF2B5EF4-FFF2-40B4-BE49-F238E27FC236}">
-                <a16:creationId xmlns:a16="http://schemas.microsoft.com/office/drawing/2014/main" id="{B061F51E-BA83-09BD-EE78-4EDC3BE20C41}"/>
-              </a:ext>
-            </a:extLst>
-          </p:cNvPr>
-          <p:cNvGrpSpPr/>
-          <p:nvPr/>
-        </p:nvGrpSpPr>
-        <p:grpSpPr>
-          <a:xfrm>
-            <a:off x="7633153" y="2324438"/>
-            <a:ext cx="3021693" cy="3021693"/>
-            <a:chOff x="0" y="0"/>
-            <a:chExt cx="812800" cy="812800"/>
-          </a:xfrm>
-        </p:grpSpPr>
-        <p:sp>
-          <p:nvSpPr>
-            <p:cNvPr id="7" name="Freeform 7">
-              <a:extLst>
-                <a:ext uri="{FF2B5EF4-FFF2-40B4-BE49-F238E27FC236}">
-                  <a16:creationId xmlns:a16="http://schemas.microsoft.com/office/drawing/2014/main" id="{1F007110-C84B-69E0-E9BF-34B7C2F43CA2}"/>
-                </a:ext>
-              </a:extLst>
-            </p:cNvPr>
-            <p:cNvSpPr/>
-            <p:nvPr/>
-          </p:nvSpPr>
-          <p:spPr>
-            <a:xfrm>
-              <a:off x="0" y="0"/>
-              <a:ext cx="812800" cy="812800"/>
-            </a:xfrm>
-            <a:custGeom>
-              <a:avLst/>
-              <a:gdLst/>
-              <a:ahLst/>
-              <a:cxnLst/>
-              <a:rect l="l" t="t" r="r" b="b"/>
-              <a:pathLst>
-                <a:path w="812800" h="812800">
-                  <a:moveTo>
-                    <a:pt x="406400" y="0"/>
-                  </a:moveTo>
-                  <a:lnTo>
-                    <a:pt x="445826" y="33348"/>
-                  </a:lnTo>
-                  <a:lnTo>
-                    <a:pt x="491360" y="8881"/>
-                  </a:lnTo>
-                  <a:lnTo>
-                    <a:pt x="522953" y="49652"/>
-                  </a:lnTo>
-                  <a:lnTo>
-                    <a:pt x="572609" y="35135"/>
-                  </a:lnTo>
-                  <a:lnTo>
-                    <a:pt x="594986" y="81548"/>
-                  </a:lnTo>
-                  <a:lnTo>
-                    <a:pt x="646591" y="77616"/>
-                  </a:lnTo>
-                  <a:lnTo>
-                    <a:pt x="658778" y="127641"/>
-                  </a:lnTo>
-                  <a:lnTo>
-                    <a:pt x="710077" y="134465"/>
-                  </a:lnTo>
-                  <a:lnTo>
-                    <a:pt x="711539" y="185918"/>
-                  </a:lnTo>
-                  <a:lnTo>
-                    <a:pt x="760292" y="203200"/>
-                  </a:lnTo>
-                  <a:lnTo>
-                    <a:pt x="750965" y="253830"/>
-                  </a:lnTo>
-                  <a:lnTo>
-                    <a:pt x="795038" y="280816"/>
-                  </a:lnTo>
-                  <a:lnTo>
-                    <a:pt x="775331" y="328411"/>
-                  </a:lnTo>
-                  <a:lnTo>
-                    <a:pt x="812800" y="363920"/>
-                  </a:lnTo>
-                  <a:lnTo>
-                    <a:pt x="783573" y="406400"/>
-                  </a:lnTo>
-                  <a:lnTo>
-                    <a:pt x="812800" y="448880"/>
-                  </a:lnTo>
-                  <a:lnTo>
-                    <a:pt x="775331" y="484389"/>
-                  </a:lnTo>
-                  <a:lnTo>
-                    <a:pt x="795038" y="531984"/>
-                  </a:lnTo>
-                  <a:lnTo>
-                    <a:pt x="750965" y="558970"/>
-                  </a:lnTo>
-                  <a:lnTo>
-                    <a:pt x="760292" y="609600"/>
-                  </a:lnTo>
-                  <a:lnTo>
-                    <a:pt x="711539" y="626882"/>
-                  </a:lnTo>
-                  <a:lnTo>
-                    <a:pt x="710077" y="678335"/>
-                  </a:lnTo>
-                  <a:lnTo>
-                    <a:pt x="658778" y="685159"/>
-                  </a:lnTo>
-                  <a:lnTo>
-                    <a:pt x="646591" y="735184"/>
-                  </a:lnTo>
-                  <a:lnTo>
-                    <a:pt x="594986" y="731252"/>
-                  </a:lnTo>
-                  <a:lnTo>
-                    <a:pt x="572609" y="777665"/>
-                  </a:lnTo>
-                  <a:lnTo>
-                    <a:pt x="522953" y="763148"/>
-                  </a:lnTo>
-                  <a:lnTo>
-                    <a:pt x="491360" y="803919"/>
-                  </a:lnTo>
-                  <a:lnTo>
-                    <a:pt x="445826" y="779452"/>
-                  </a:lnTo>
-                  <a:lnTo>
-                    <a:pt x="406400" y="812800"/>
-                  </a:lnTo>
-                  <a:lnTo>
-                    <a:pt x="366974" y="779452"/>
-                  </a:lnTo>
-                  <a:lnTo>
-                    <a:pt x="321440" y="803919"/>
-                  </a:lnTo>
-                  <a:lnTo>
-                    <a:pt x="289847" y="763148"/>
-                  </a:lnTo>
-                  <a:lnTo>
-                    <a:pt x="240191" y="777665"/>
-                  </a:lnTo>
-                  <a:lnTo>
-                    <a:pt x="217814" y="731252"/>
-                  </a:lnTo>
-                  <a:lnTo>
-                    <a:pt x="166209" y="735184"/>
-                  </a:lnTo>
-                  <a:lnTo>
-                    <a:pt x="154022" y="685159"/>
-                  </a:lnTo>
-                  <a:lnTo>
-                    <a:pt x="102722" y="678335"/>
-                  </a:lnTo>
-                  <a:lnTo>
-                    <a:pt x="101260" y="626882"/>
-                  </a:lnTo>
-                  <a:lnTo>
-                    <a:pt x="52509" y="609600"/>
-                  </a:lnTo>
-                  <a:lnTo>
-                    <a:pt x="61835" y="558970"/>
-                  </a:lnTo>
-                  <a:lnTo>
-                    <a:pt x="17762" y="531984"/>
-                  </a:lnTo>
-                  <a:lnTo>
-                    <a:pt x="37469" y="484389"/>
-                  </a:lnTo>
-                  <a:lnTo>
-                    <a:pt x="0" y="448880"/>
-                  </a:lnTo>
-                  <a:lnTo>
-                    <a:pt x="29227" y="406400"/>
-                  </a:lnTo>
-                  <a:lnTo>
-                    <a:pt x="0" y="363920"/>
-                  </a:lnTo>
-                  <a:lnTo>
-                    <a:pt x="37469" y="328411"/>
-                  </a:lnTo>
-                  <a:lnTo>
-                    <a:pt x="17762" y="280816"/>
-                  </a:lnTo>
-                  <a:lnTo>
-                    <a:pt x="61835" y="253830"/>
-                  </a:lnTo>
-                  <a:lnTo>
-                    <a:pt x="52509" y="203200"/>
-                  </a:lnTo>
-                  <a:lnTo>
-                    <a:pt x="101260" y="185918"/>
-                  </a:lnTo>
-                  <a:lnTo>
-                    <a:pt x="102722" y="134465"/>
-                  </a:lnTo>
-                  <a:lnTo>
-                    <a:pt x="154022" y="127641"/>
-                  </a:lnTo>
-                  <a:lnTo>
-                    <a:pt x="166209" y="77616"/>
-                  </a:lnTo>
-                  <a:lnTo>
-                    <a:pt x="217814" y="81548"/>
-                  </a:lnTo>
-                  <a:lnTo>
-                    <a:pt x="240191" y="35135"/>
-                  </a:lnTo>
-                  <a:lnTo>
-                    <a:pt x="289847" y="49652"/>
-                  </a:lnTo>
-                  <a:lnTo>
-                    <a:pt x="321440" y="8881"/>
-                  </a:lnTo>
-                  <a:lnTo>
-                    <a:pt x="366974" y="33348"/>
-                  </a:lnTo>
-                  <a:lnTo>
-                    <a:pt x="406400" y="0"/>
-                  </a:lnTo>
-                  <a:close/>
-                </a:path>
-              </a:pathLst>
-            </a:custGeom>
-            <a:gradFill rotWithShape="1">
-              <a:gsLst>
-                <a:gs pos="0">
-                  <a:srgbClr val="004AAD">
-                    <a:alpha val="100000"/>
-                  </a:srgbClr>
-                </a:gs>
-                <a:gs pos="100000">
-                  <a:srgbClr val="CB6CE6">
-                    <a:alpha val="100000"/>
-                  </a:srgbClr>
-                </a:gs>
-              </a:gsLst>
-              <a:lin ang="0"/>
-            </a:gradFill>
-          </p:spPr>
-          <p:txBody>
-            <a:bodyPr/>
-            <a:lstStyle/>
-            <a:p>
-              <a:pPr algn="ctr"/>
-              <a:endParaRPr lang="en-CA"/>
-            </a:p>
-          </p:txBody>
-        </p:sp>
-        <p:sp>
-          <p:nvSpPr>
-            <p:cNvPr id="8" name="TextBox 8">
-              <a:extLst>
-                <a:ext uri="{FF2B5EF4-FFF2-40B4-BE49-F238E27FC236}">
-                  <a16:creationId xmlns:a16="http://schemas.microsoft.com/office/drawing/2014/main" id="{C5431633-CA00-4C84-9E3E-BC58C801C688}"/>
-                </a:ext>
-              </a:extLst>
-            </p:cNvPr>
-            <p:cNvSpPr txBox="1"/>
-            <p:nvPr/>
-          </p:nvSpPr>
-          <p:spPr>
-            <a:xfrm>
-              <a:off x="152400" y="104775"/>
-              <a:ext cx="508000" cy="555625"/>
-            </a:xfrm>
-            <a:prstGeom prst="rect">
-              <a:avLst/>
-            </a:prstGeom>
-          </p:spPr>
-          <p:txBody>
-            <a:bodyPr lIns="50800" tIns="50800" rIns="50800" bIns="50800" rtlCol="0" anchor="ctr"/>
-            <a:lstStyle/>
-            <a:p>
-              <a:pPr algn="ctr">
-                <a:lnSpc>
-                  <a:spcPts val="3359"/>
-                </a:lnSpc>
-              </a:pPr>
-              <a:endParaRPr/>
-            </a:p>
-          </p:txBody>
-        </p:sp>
-      </p:grpSp>
-      <p:sp>
-        <p:nvSpPr>
-          <p:cNvPr id="9" name="Freeform 9">
-            <a:extLst>
-              <a:ext uri="{FF2B5EF4-FFF2-40B4-BE49-F238E27FC236}">
-                <a16:creationId xmlns:a16="http://schemas.microsoft.com/office/drawing/2014/main" id="{C82E6DFC-73BF-F9A1-D015-88994C2913EA}"/>
-              </a:ext>
-            </a:extLst>
-          </p:cNvPr>
-          <p:cNvSpPr/>
-          <p:nvPr/>
-        </p:nvSpPr>
-        <p:spPr>
-          <a:xfrm rot="-6796875" flipV="1">
-            <a:off x="525337" y="820221"/>
-            <a:ext cx="1261296" cy="538917"/>
-          </a:xfrm>
-          <a:custGeom>
-            <a:avLst/>
-            <a:gdLst/>
-            <a:ahLst/>
-            <a:cxnLst/>
-            <a:rect l="l" t="t" r="r" b="b"/>
-            <a:pathLst>
-              <a:path w="1261296" h="538917">
-                <a:moveTo>
-                  <a:pt x="0" y="538917"/>
-                </a:moveTo>
-                <a:lnTo>
-                  <a:pt x="1261296" y="538917"/>
-                </a:lnTo>
-                <a:lnTo>
-                  <a:pt x="1261296" y="0"/>
-                </a:lnTo>
-                <a:lnTo>
-                  <a:pt x="0" y="0"/>
-                </a:lnTo>
-                <a:lnTo>
-                  <a:pt x="0" y="538917"/>
-                </a:lnTo>
-                <a:close/>
-              </a:path>
-            </a:pathLst>
-          </a:custGeom>
-          <a:blipFill>
-            <a:blip r:embed="rId4">
-              <a:extLst>
-                <a:ext uri="{96DAC541-7B7A-43D3-8B79-37D633B846F1}">
-                  <asvg:svgBlip xmlns:asvg="http://schemas.microsoft.com/office/drawing/2016/SVG/main" r:embed="rId5"/>
-                </a:ext>
-              </a:extLst>
-            </a:blip>
-            <a:stretch>
-              <a:fillRect/>
-            </a:stretch>
-          </a:blipFill>
-        </p:spPr>
-        <p:txBody>
-          <a:bodyPr/>
-          <a:lstStyle/>
-          <a:p>
-            <a:endParaRPr lang="en-CA"/>
-          </a:p>
-        </p:txBody>
-      </p:sp>
-      <p:sp>
-        <p:nvSpPr>
-          <p:cNvPr id="10" name="Freeform 10">
-            <a:extLst>
-              <a:ext uri="{FF2B5EF4-FFF2-40B4-BE49-F238E27FC236}">
-                <a16:creationId xmlns:a16="http://schemas.microsoft.com/office/drawing/2014/main" id="{B98CA30D-6FFA-ACF1-A043-4EC3BFAAACBC}"/>
-              </a:ext>
-            </a:extLst>
-          </p:cNvPr>
-          <p:cNvSpPr/>
-          <p:nvPr/>
-        </p:nvSpPr>
-        <p:spPr>
-          <a:xfrm rot="-635992" flipV="1">
-            <a:off x="15497644" y="1158348"/>
-            <a:ext cx="1467788" cy="627146"/>
-          </a:xfrm>
-          <a:custGeom>
-            <a:avLst/>
-            <a:gdLst/>
-            <a:ahLst/>
-            <a:cxnLst/>
-            <a:rect l="l" t="t" r="r" b="b"/>
-            <a:pathLst>
-              <a:path w="1467788" h="627146">
-                <a:moveTo>
-                  <a:pt x="0" y="627146"/>
-                </a:moveTo>
-                <a:lnTo>
-                  <a:pt x="1467788" y="627146"/>
-                </a:lnTo>
-                <a:lnTo>
-                  <a:pt x="1467788" y="0"/>
-                </a:lnTo>
-                <a:lnTo>
-                  <a:pt x="0" y="0"/>
-                </a:lnTo>
-                <a:lnTo>
-                  <a:pt x="0" y="627146"/>
-                </a:lnTo>
-                <a:close/>
-              </a:path>
-            </a:pathLst>
-          </a:custGeom>
-          <a:blipFill>
-            <a:blip r:embed="rId4">
-              <a:extLst>
-                <a:ext uri="{96DAC541-7B7A-43D3-8B79-37D633B846F1}">
-                  <asvg:svgBlip xmlns:asvg="http://schemas.microsoft.com/office/drawing/2016/SVG/main" r:embed="rId5"/>
-                </a:ext>
-              </a:extLst>
-            </a:blip>
-            <a:stretch>
-              <a:fillRect/>
-            </a:stretch>
-          </a:blipFill>
-        </p:spPr>
-        <p:txBody>
-          <a:bodyPr/>
-          <a:lstStyle/>
-          <a:p>
-            <a:endParaRPr lang="en-CA"/>
-          </a:p>
-        </p:txBody>
-      </p:sp>
-      <p:sp>
-        <p:nvSpPr>
-          <p:cNvPr id="12" name="TextBox 12">
-            <a:extLst>
-              <a:ext uri="{FF2B5EF4-FFF2-40B4-BE49-F238E27FC236}">
-                <a16:creationId xmlns:a16="http://schemas.microsoft.com/office/drawing/2014/main" id="{6FBE8198-2630-E99C-35AE-27B454BF98E0}"/>
-              </a:ext>
-            </a:extLst>
-          </p:cNvPr>
-          <p:cNvSpPr txBox="1"/>
-          <p:nvPr/>
-        </p:nvSpPr>
-        <p:spPr>
-          <a:xfrm>
-            <a:off x="8610089" y="2460883"/>
-            <a:ext cx="1165860" cy="2571750"/>
-          </a:xfrm>
-          <a:prstGeom prst="rect">
-            <a:avLst/>
-          </a:prstGeom>
-        </p:spPr>
-        <p:txBody>
-          <a:bodyPr lIns="0" tIns="0" rIns="0" bIns="0" rtlCol="0" anchor="t">
-            <a:spAutoFit/>
-          </a:bodyPr>
-          <a:lstStyle/>
-          <a:p>
-            <a:pPr algn="ctr">
-              <a:lnSpc>
-                <a:spcPts val="21000"/>
-              </a:lnSpc>
-              <a:spcBef>
-                <a:spcPct val="0"/>
-              </a:spcBef>
-            </a:pPr>
-            <a:r>
-              <a:rPr lang="en-US" sz="15000" dirty="0">
-                <a:solidFill>
-                  <a:srgbClr val="FFFFFF"/>
-                </a:solidFill>
-                <a:latin typeface="Space Mono"/>
-                <a:ea typeface="Space Mono"/>
-                <a:cs typeface="Space Mono"/>
-                <a:sym typeface="Space Mono"/>
-              </a:rPr>
-              <a:t>2</a:t>
-            </a:r>
-          </a:p>
-        </p:txBody>
-      </p:sp>
-    </p:spTree>
-    <p:extLst>
-      <p:ext uri="{BB962C8B-B14F-4D97-AF65-F5344CB8AC3E}">
-        <p14:creationId xmlns:p14="http://schemas.microsoft.com/office/powerpoint/2010/main" val="167871984"/>
-      </p:ext>
-    </p:extLst>
-  </p:cSld>
-  <p:clrMapOvr>
-    <a:masterClrMapping/>
-  </p:clrMapOvr>
-</p:sld>
-</file>
-
-<file path=ppt/slides/slide6.xml><?xml version="1.0" encoding="utf-8"?>
-<p:sld xmlns:a="http://schemas.openxmlformats.org/drawingml/2006/main" xmlns:r="http://schemas.openxmlformats.org/officeDocument/2006/relationships" xmlns:p="http://schemas.openxmlformats.org/presentationml/2006/main">
-  <p:cSld>
-    <p:bg>
-      <p:bgPr>
-        <a:gradFill rotWithShape="1">
-          <a:gsLst>
-            <a:gs pos="0">
-              <a:srgbClr val="2A2D32">
-                <a:alpha val="100000"/>
-              </a:srgbClr>
-            </a:gs>
-            <a:gs pos="100000">
-              <a:srgbClr val="2D2BAB">
-                <a:alpha val="100000"/>
-              </a:srgbClr>
-            </a:gs>
-          </a:gsLst>
-          <a:lin ang="0"/>
-        </a:gradFill>
-        <a:effectLst/>
-      </p:bgPr>
-    </p:bg>
-    <p:spTree>
-      <p:nvGrpSpPr>
         <p:cNvPr id="1" name="">
           <a:extLst>
             <a:ext uri="{FF2B5EF4-FFF2-40B4-BE49-F238E27FC236}">
@@ -13946,6 +12580,1372 @@
     <p:extLst>
       <p:ext uri="{BB962C8B-B14F-4D97-AF65-F5344CB8AC3E}">
         <p14:creationId xmlns:p14="http://schemas.microsoft.com/office/powerpoint/2010/main" val="3639957975"/>
+      </p:ext>
+    </p:extLst>
+  </p:cSld>
+  <p:clrMapOvr>
+    <a:masterClrMapping/>
+  </p:clrMapOvr>
+</p:sld>
+</file>
+
+<file path=ppt/slides/slide4.xml><?xml version="1.0" encoding="utf-8"?>
+<p:sld xmlns:a="http://schemas.openxmlformats.org/drawingml/2006/main" xmlns:r="http://schemas.openxmlformats.org/officeDocument/2006/relationships" xmlns:p="http://schemas.openxmlformats.org/presentationml/2006/main">
+  <p:cSld>
+    <p:bg>
+      <p:bgPr>
+        <a:gradFill rotWithShape="1">
+          <a:gsLst>
+            <a:gs pos="0">
+              <a:srgbClr val="2A2D32">
+                <a:alpha val="100000"/>
+              </a:srgbClr>
+            </a:gs>
+            <a:gs pos="100000">
+              <a:srgbClr val="2D2BAB">
+                <a:alpha val="100000"/>
+              </a:srgbClr>
+            </a:gs>
+          </a:gsLst>
+          <a:lin ang="0"/>
+        </a:gradFill>
+        <a:effectLst/>
+      </p:bgPr>
+    </p:bg>
+    <p:spTree>
+      <p:nvGrpSpPr>
+        <p:cNvPr id="1" name=""/>
+        <p:cNvGrpSpPr/>
+        <p:nvPr/>
+      </p:nvGrpSpPr>
+      <p:grpSpPr>
+        <a:xfrm>
+          <a:off x="0" y="0"/>
+          <a:ext cx="0" cy="0"/>
+          <a:chOff x="0" y="0"/>
+          <a:chExt cx="0" cy="0"/>
+        </a:xfrm>
+      </p:grpSpPr>
+      <p:sp>
+        <p:nvSpPr>
+          <p:cNvPr id="2" name="TextBox 2"/>
+          <p:cNvSpPr txBox="1"/>
+          <p:nvPr/>
+        </p:nvSpPr>
+        <p:spPr>
+          <a:xfrm>
+            <a:off x="4455594" y="5422148"/>
+            <a:ext cx="9376809" cy="1231106"/>
+          </a:xfrm>
+          <a:prstGeom prst="rect">
+            <a:avLst/>
+          </a:prstGeom>
+        </p:spPr>
+        <p:txBody>
+          <a:bodyPr lIns="0" tIns="0" rIns="0" bIns="0" rtlCol="0" anchor="t">
+            <a:spAutoFit/>
+          </a:bodyPr>
+          <a:lstStyle/>
+          <a:p>
+            <a:pPr marL="0" lvl="0" indent="0" algn="ctr">
+              <a:lnSpc>
+                <a:spcPts val="9600"/>
+              </a:lnSpc>
+              <a:spcBef>
+                <a:spcPct val="0"/>
+              </a:spcBef>
+            </a:pPr>
+            <a:r>
+              <a:rPr lang="en-CA" sz="8000" dirty="0"/>
+              <a:t>🧠 </a:t>
+            </a:r>
+            <a:r>
+              <a:rPr lang="en-US" sz="8000" dirty="0">
+                <a:solidFill>
+                  <a:srgbClr val="FFFFFF"/>
+                </a:solidFill>
+                <a:latin typeface="Space Mono"/>
+                <a:ea typeface="Space Mono"/>
+                <a:cs typeface="Space Mono"/>
+                <a:sym typeface="Space Mono"/>
+              </a:rPr>
+              <a:t>Motivation</a:t>
+            </a:r>
+          </a:p>
+        </p:txBody>
+      </p:sp>
+      <p:sp>
+        <p:nvSpPr>
+          <p:cNvPr id="4" name="Freeform 4"/>
+          <p:cNvSpPr/>
+          <p:nvPr/>
+        </p:nvSpPr>
+        <p:spPr>
+          <a:xfrm rot="2700000">
+            <a:off x="10304634" y="1311308"/>
+            <a:ext cx="11359026" cy="3512253"/>
+          </a:xfrm>
+          <a:custGeom>
+            <a:avLst/>
+            <a:gdLst/>
+            <a:ahLst/>
+            <a:cxnLst/>
+            <a:rect l="l" t="t" r="r" b="b"/>
+            <a:pathLst>
+              <a:path w="11359026" h="3512253">
+                <a:moveTo>
+                  <a:pt x="0" y="0"/>
+                </a:moveTo>
+                <a:lnTo>
+                  <a:pt x="11359026" y="0"/>
+                </a:lnTo>
+                <a:lnTo>
+                  <a:pt x="11359026" y="3512253"/>
+                </a:lnTo>
+                <a:lnTo>
+                  <a:pt x="0" y="3512253"/>
+                </a:lnTo>
+                <a:lnTo>
+                  <a:pt x="0" y="0"/>
+                </a:lnTo>
+                <a:close/>
+              </a:path>
+            </a:pathLst>
+          </a:custGeom>
+          <a:blipFill>
+            <a:blip r:embed="rId2">
+              <a:extLst>
+                <a:ext uri="{96DAC541-7B7A-43D3-8B79-37D633B846F1}">
+                  <asvg:svgBlip xmlns:asvg="http://schemas.microsoft.com/office/drawing/2016/SVG/main" r:embed="rId3"/>
+                </a:ext>
+              </a:extLst>
+            </a:blip>
+            <a:stretch>
+              <a:fillRect/>
+            </a:stretch>
+          </a:blipFill>
+        </p:spPr>
+        <p:txBody>
+          <a:bodyPr/>
+          <a:lstStyle/>
+          <a:p>
+            <a:endParaRPr lang="en-CA"/>
+          </a:p>
+        </p:txBody>
+      </p:sp>
+      <p:sp>
+        <p:nvSpPr>
+          <p:cNvPr id="5" name="Freeform 5"/>
+          <p:cNvSpPr/>
+          <p:nvPr/>
+        </p:nvSpPr>
+        <p:spPr>
+          <a:xfrm rot="2700000">
+            <a:off x="-5958859" y="4758973"/>
+            <a:ext cx="11359026" cy="3512253"/>
+          </a:xfrm>
+          <a:custGeom>
+            <a:avLst/>
+            <a:gdLst/>
+            <a:ahLst/>
+            <a:cxnLst/>
+            <a:rect l="l" t="t" r="r" b="b"/>
+            <a:pathLst>
+              <a:path w="11359026" h="3512253">
+                <a:moveTo>
+                  <a:pt x="0" y="0"/>
+                </a:moveTo>
+                <a:lnTo>
+                  <a:pt x="11359026" y="0"/>
+                </a:lnTo>
+                <a:lnTo>
+                  <a:pt x="11359026" y="3512254"/>
+                </a:lnTo>
+                <a:lnTo>
+                  <a:pt x="0" y="3512254"/>
+                </a:lnTo>
+                <a:lnTo>
+                  <a:pt x="0" y="0"/>
+                </a:lnTo>
+                <a:close/>
+              </a:path>
+            </a:pathLst>
+          </a:custGeom>
+          <a:blipFill>
+            <a:blip r:embed="rId2">
+              <a:extLst>
+                <a:ext uri="{96DAC541-7B7A-43D3-8B79-37D633B846F1}">
+                  <asvg:svgBlip xmlns:asvg="http://schemas.microsoft.com/office/drawing/2016/SVG/main" r:embed="rId3"/>
+                </a:ext>
+              </a:extLst>
+            </a:blip>
+            <a:stretch>
+              <a:fillRect/>
+            </a:stretch>
+          </a:blipFill>
+        </p:spPr>
+        <p:txBody>
+          <a:bodyPr/>
+          <a:lstStyle/>
+          <a:p>
+            <a:endParaRPr lang="en-CA"/>
+          </a:p>
+        </p:txBody>
+      </p:sp>
+      <p:grpSp>
+        <p:nvGrpSpPr>
+          <p:cNvPr id="6" name="Group 6"/>
+          <p:cNvGrpSpPr/>
+          <p:nvPr/>
+        </p:nvGrpSpPr>
+        <p:grpSpPr>
+          <a:xfrm>
+            <a:off x="7633153" y="2324438"/>
+            <a:ext cx="3021693" cy="3021693"/>
+            <a:chOff x="0" y="0"/>
+            <a:chExt cx="812800" cy="812800"/>
+          </a:xfrm>
+        </p:grpSpPr>
+        <p:sp>
+          <p:nvSpPr>
+            <p:cNvPr id="7" name="Freeform 7"/>
+            <p:cNvSpPr/>
+            <p:nvPr/>
+          </p:nvSpPr>
+          <p:spPr>
+            <a:xfrm>
+              <a:off x="0" y="0"/>
+              <a:ext cx="812800" cy="812800"/>
+            </a:xfrm>
+            <a:custGeom>
+              <a:avLst/>
+              <a:gdLst/>
+              <a:ahLst/>
+              <a:cxnLst/>
+              <a:rect l="l" t="t" r="r" b="b"/>
+              <a:pathLst>
+                <a:path w="812800" h="812800">
+                  <a:moveTo>
+                    <a:pt x="406400" y="0"/>
+                  </a:moveTo>
+                  <a:lnTo>
+                    <a:pt x="445826" y="33348"/>
+                  </a:lnTo>
+                  <a:lnTo>
+                    <a:pt x="491360" y="8881"/>
+                  </a:lnTo>
+                  <a:lnTo>
+                    <a:pt x="522953" y="49652"/>
+                  </a:lnTo>
+                  <a:lnTo>
+                    <a:pt x="572609" y="35135"/>
+                  </a:lnTo>
+                  <a:lnTo>
+                    <a:pt x="594986" y="81548"/>
+                  </a:lnTo>
+                  <a:lnTo>
+                    <a:pt x="646591" y="77616"/>
+                  </a:lnTo>
+                  <a:lnTo>
+                    <a:pt x="658778" y="127641"/>
+                  </a:lnTo>
+                  <a:lnTo>
+                    <a:pt x="710077" y="134465"/>
+                  </a:lnTo>
+                  <a:lnTo>
+                    <a:pt x="711539" y="185918"/>
+                  </a:lnTo>
+                  <a:lnTo>
+                    <a:pt x="760292" y="203200"/>
+                  </a:lnTo>
+                  <a:lnTo>
+                    <a:pt x="750965" y="253830"/>
+                  </a:lnTo>
+                  <a:lnTo>
+                    <a:pt x="795038" y="280816"/>
+                  </a:lnTo>
+                  <a:lnTo>
+                    <a:pt x="775331" y="328411"/>
+                  </a:lnTo>
+                  <a:lnTo>
+                    <a:pt x="812800" y="363920"/>
+                  </a:lnTo>
+                  <a:lnTo>
+                    <a:pt x="783573" y="406400"/>
+                  </a:lnTo>
+                  <a:lnTo>
+                    <a:pt x="812800" y="448880"/>
+                  </a:lnTo>
+                  <a:lnTo>
+                    <a:pt x="775331" y="484389"/>
+                  </a:lnTo>
+                  <a:lnTo>
+                    <a:pt x="795038" y="531984"/>
+                  </a:lnTo>
+                  <a:lnTo>
+                    <a:pt x="750965" y="558970"/>
+                  </a:lnTo>
+                  <a:lnTo>
+                    <a:pt x="760292" y="609600"/>
+                  </a:lnTo>
+                  <a:lnTo>
+                    <a:pt x="711539" y="626882"/>
+                  </a:lnTo>
+                  <a:lnTo>
+                    <a:pt x="710077" y="678335"/>
+                  </a:lnTo>
+                  <a:lnTo>
+                    <a:pt x="658778" y="685159"/>
+                  </a:lnTo>
+                  <a:lnTo>
+                    <a:pt x="646591" y="735184"/>
+                  </a:lnTo>
+                  <a:lnTo>
+                    <a:pt x="594986" y="731252"/>
+                  </a:lnTo>
+                  <a:lnTo>
+                    <a:pt x="572609" y="777665"/>
+                  </a:lnTo>
+                  <a:lnTo>
+                    <a:pt x="522953" y="763148"/>
+                  </a:lnTo>
+                  <a:lnTo>
+                    <a:pt x="491360" y="803919"/>
+                  </a:lnTo>
+                  <a:lnTo>
+                    <a:pt x="445826" y="779452"/>
+                  </a:lnTo>
+                  <a:lnTo>
+                    <a:pt x="406400" y="812800"/>
+                  </a:lnTo>
+                  <a:lnTo>
+                    <a:pt x="366974" y="779452"/>
+                  </a:lnTo>
+                  <a:lnTo>
+                    <a:pt x="321440" y="803919"/>
+                  </a:lnTo>
+                  <a:lnTo>
+                    <a:pt x="289847" y="763148"/>
+                  </a:lnTo>
+                  <a:lnTo>
+                    <a:pt x="240191" y="777665"/>
+                  </a:lnTo>
+                  <a:lnTo>
+                    <a:pt x="217814" y="731252"/>
+                  </a:lnTo>
+                  <a:lnTo>
+                    <a:pt x="166209" y="735184"/>
+                  </a:lnTo>
+                  <a:lnTo>
+                    <a:pt x="154022" y="685159"/>
+                  </a:lnTo>
+                  <a:lnTo>
+                    <a:pt x="102722" y="678335"/>
+                  </a:lnTo>
+                  <a:lnTo>
+                    <a:pt x="101260" y="626882"/>
+                  </a:lnTo>
+                  <a:lnTo>
+                    <a:pt x="52509" y="609600"/>
+                  </a:lnTo>
+                  <a:lnTo>
+                    <a:pt x="61835" y="558970"/>
+                  </a:lnTo>
+                  <a:lnTo>
+                    <a:pt x="17762" y="531984"/>
+                  </a:lnTo>
+                  <a:lnTo>
+                    <a:pt x="37469" y="484389"/>
+                  </a:lnTo>
+                  <a:lnTo>
+                    <a:pt x="0" y="448880"/>
+                  </a:lnTo>
+                  <a:lnTo>
+                    <a:pt x="29227" y="406400"/>
+                  </a:lnTo>
+                  <a:lnTo>
+                    <a:pt x="0" y="363920"/>
+                  </a:lnTo>
+                  <a:lnTo>
+                    <a:pt x="37469" y="328411"/>
+                  </a:lnTo>
+                  <a:lnTo>
+                    <a:pt x="17762" y="280816"/>
+                  </a:lnTo>
+                  <a:lnTo>
+                    <a:pt x="61835" y="253830"/>
+                  </a:lnTo>
+                  <a:lnTo>
+                    <a:pt x="52509" y="203200"/>
+                  </a:lnTo>
+                  <a:lnTo>
+                    <a:pt x="101260" y="185918"/>
+                  </a:lnTo>
+                  <a:lnTo>
+                    <a:pt x="102722" y="134465"/>
+                  </a:lnTo>
+                  <a:lnTo>
+                    <a:pt x="154022" y="127641"/>
+                  </a:lnTo>
+                  <a:lnTo>
+                    <a:pt x="166209" y="77616"/>
+                  </a:lnTo>
+                  <a:lnTo>
+                    <a:pt x="217814" y="81548"/>
+                  </a:lnTo>
+                  <a:lnTo>
+                    <a:pt x="240191" y="35135"/>
+                  </a:lnTo>
+                  <a:lnTo>
+                    <a:pt x="289847" y="49652"/>
+                  </a:lnTo>
+                  <a:lnTo>
+                    <a:pt x="321440" y="8881"/>
+                  </a:lnTo>
+                  <a:lnTo>
+                    <a:pt x="366974" y="33348"/>
+                  </a:lnTo>
+                  <a:lnTo>
+                    <a:pt x="406400" y="0"/>
+                  </a:lnTo>
+                  <a:close/>
+                </a:path>
+              </a:pathLst>
+            </a:custGeom>
+            <a:gradFill rotWithShape="1">
+              <a:gsLst>
+                <a:gs pos="0">
+                  <a:srgbClr val="004AAD">
+                    <a:alpha val="100000"/>
+                  </a:srgbClr>
+                </a:gs>
+                <a:gs pos="100000">
+                  <a:srgbClr val="CB6CE6">
+                    <a:alpha val="100000"/>
+                  </a:srgbClr>
+                </a:gs>
+              </a:gsLst>
+              <a:lin ang="0"/>
+            </a:gradFill>
+          </p:spPr>
+          <p:txBody>
+            <a:bodyPr/>
+            <a:lstStyle/>
+            <a:p>
+              <a:pPr algn="ctr"/>
+              <a:endParaRPr lang="en-CA"/>
+            </a:p>
+          </p:txBody>
+        </p:sp>
+        <p:sp>
+          <p:nvSpPr>
+            <p:cNvPr id="8" name="TextBox 8"/>
+            <p:cNvSpPr txBox="1"/>
+            <p:nvPr/>
+          </p:nvSpPr>
+          <p:spPr>
+            <a:xfrm>
+              <a:off x="152400" y="104775"/>
+              <a:ext cx="508000" cy="555625"/>
+            </a:xfrm>
+            <a:prstGeom prst="rect">
+              <a:avLst/>
+            </a:prstGeom>
+          </p:spPr>
+          <p:txBody>
+            <a:bodyPr lIns="50800" tIns="50800" rIns="50800" bIns="50800" rtlCol="0" anchor="ctr"/>
+            <a:lstStyle/>
+            <a:p>
+              <a:pPr algn="ctr">
+                <a:lnSpc>
+                  <a:spcPts val="3359"/>
+                </a:lnSpc>
+              </a:pPr>
+              <a:endParaRPr/>
+            </a:p>
+          </p:txBody>
+        </p:sp>
+      </p:grpSp>
+      <p:sp>
+        <p:nvSpPr>
+          <p:cNvPr id="9" name="Freeform 9"/>
+          <p:cNvSpPr/>
+          <p:nvPr/>
+        </p:nvSpPr>
+        <p:spPr>
+          <a:xfrm rot="-6796875" flipV="1">
+            <a:off x="525337" y="820221"/>
+            <a:ext cx="1261296" cy="538917"/>
+          </a:xfrm>
+          <a:custGeom>
+            <a:avLst/>
+            <a:gdLst/>
+            <a:ahLst/>
+            <a:cxnLst/>
+            <a:rect l="l" t="t" r="r" b="b"/>
+            <a:pathLst>
+              <a:path w="1261296" h="538917">
+                <a:moveTo>
+                  <a:pt x="0" y="538917"/>
+                </a:moveTo>
+                <a:lnTo>
+                  <a:pt x="1261296" y="538917"/>
+                </a:lnTo>
+                <a:lnTo>
+                  <a:pt x="1261296" y="0"/>
+                </a:lnTo>
+                <a:lnTo>
+                  <a:pt x="0" y="0"/>
+                </a:lnTo>
+                <a:lnTo>
+                  <a:pt x="0" y="538917"/>
+                </a:lnTo>
+                <a:close/>
+              </a:path>
+            </a:pathLst>
+          </a:custGeom>
+          <a:blipFill>
+            <a:blip r:embed="rId4">
+              <a:extLst>
+                <a:ext uri="{96DAC541-7B7A-43D3-8B79-37D633B846F1}">
+                  <asvg:svgBlip xmlns:asvg="http://schemas.microsoft.com/office/drawing/2016/SVG/main" r:embed="rId5"/>
+                </a:ext>
+              </a:extLst>
+            </a:blip>
+            <a:stretch>
+              <a:fillRect/>
+            </a:stretch>
+          </a:blipFill>
+        </p:spPr>
+        <p:txBody>
+          <a:bodyPr/>
+          <a:lstStyle/>
+          <a:p>
+            <a:endParaRPr lang="en-CA"/>
+          </a:p>
+        </p:txBody>
+      </p:sp>
+      <p:sp>
+        <p:nvSpPr>
+          <p:cNvPr id="10" name="Freeform 10"/>
+          <p:cNvSpPr/>
+          <p:nvPr/>
+        </p:nvSpPr>
+        <p:spPr>
+          <a:xfrm rot="-635992" flipV="1">
+            <a:off x="15497644" y="1158348"/>
+            <a:ext cx="1467788" cy="627146"/>
+          </a:xfrm>
+          <a:custGeom>
+            <a:avLst/>
+            <a:gdLst/>
+            <a:ahLst/>
+            <a:cxnLst/>
+            <a:rect l="l" t="t" r="r" b="b"/>
+            <a:pathLst>
+              <a:path w="1467788" h="627146">
+                <a:moveTo>
+                  <a:pt x="0" y="627146"/>
+                </a:moveTo>
+                <a:lnTo>
+                  <a:pt x="1467788" y="627146"/>
+                </a:lnTo>
+                <a:lnTo>
+                  <a:pt x="1467788" y="0"/>
+                </a:lnTo>
+                <a:lnTo>
+                  <a:pt x="0" y="0"/>
+                </a:lnTo>
+                <a:lnTo>
+                  <a:pt x="0" y="627146"/>
+                </a:lnTo>
+                <a:close/>
+              </a:path>
+            </a:pathLst>
+          </a:custGeom>
+          <a:blipFill>
+            <a:blip r:embed="rId4">
+              <a:extLst>
+                <a:ext uri="{96DAC541-7B7A-43D3-8B79-37D633B846F1}">
+                  <asvg:svgBlip xmlns:asvg="http://schemas.microsoft.com/office/drawing/2016/SVG/main" r:embed="rId5"/>
+                </a:ext>
+              </a:extLst>
+            </a:blip>
+            <a:stretch>
+              <a:fillRect/>
+            </a:stretch>
+          </a:blipFill>
+        </p:spPr>
+        <p:txBody>
+          <a:bodyPr/>
+          <a:lstStyle/>
+          <a:p>
+            <a:endParaRPr lang="en-CA"/>
+          </a:p>
+        </p:txBody>
+      </p:sp>
+      <p:sp>
+        <p:nvSpPr>
+          <p:cNvPr id="12" name="TextBox 12"/>
+          <p:cNvSpPr txBox="1"/>
+          <p:nvPr/>
+        </p:nvSpPr>
+        <p:spPr>
+          <a:xfrm>
+            <a:off x="8610089" y="2460883"/>
+            <a:ext cx="1165860" cy="2571750"/>
+          </a:xfrm>
+          <a:prstGeom prst="rect">
+            <a:avLst/>
+          </a:prstGeom>
+        </p:spPr>
+        <p:txBody>
+          <a:bodyPr lIns="0" tIns="0" rIns="0" bIns="0" rtlCol="0" anchor="t">
+            <a:spAutoFit/>
+          </a:bodyPr>
+          <a:lstStyle/>
+          <a:p>
+            <a:pPr algn="ctr">
+              <a:lnSpc>
+                <a:spcPts val="21000"/>
+              </a:lnSpc>
+              <a:spcBef>
+                <a:spcPct val="0"/>
+              </a:spcBef>
+            </a:pPr>
+            <a:r>
+              <a:rPr lang="en-US" sz="15000" dirty="0">
+                <a:solidFill>
+                  <a:srgbClr val="FFFFFF"/>
+                </a:solidFill>
+                <a:latin typeface="Space Mono"/>
+                <a:ea typeface="Space Mono"/>
+                <a:cs typeface="Space Mono"/>
+                <a:sym typeface="Space Mono"/>
+              </a:rPr>
+              <a:t>2</a:t>
+            </a:r>
+          </a:p>
+        </p:txBody>
+      </p:sp>
+    </p:spTree>
+  </p:cSld>
+  <p:clrMapOvr>
+    <a:masterClrMapping/>
+  </p:clrMapOvr>
+</p:sld>
+</file>
+
+<file path=ppt/slides/slide5.xml><?xml version="1.0" encoding="utf-8"?>
+<p:sld xmlns:a="http://schemas.openxmlformats.org/drawingml/2006/main" xmlns:r="http://schemas.openxmlformats.org/officeDocument/2006/relationships" xmlns:p="http://schemas.openxmlformats.org/presentationml/2006/main">
+  <p:cSld>
+    <p:bg>
+      <p:bgPr>
+        <a:gradFill rotWithShape="1">
+          <a:gsLst>
+            <a:gs pos="0">
+              <a:srgbClr val="2A2D32">
+                <a:alpha val="100000"/>
+              </a:srgbClr>
+            </a:gs>
+            <a:gs pos="100000">
+              <a:srgbClr val="2D2BAB">
+                <a:alpha val="100000"/>
+              </a:srgbClr>
+            </a:gs>
+          </a:gsLst>
+          <a:lin ang="0"/>
+        </a:gradFill>
+        <a:effectLst/>
+      </p:bgPr>
+    </p:bg>
+    <p:spTree>
+      <p:nvGrpSpPr>
+        <p:cNvPr id="1" name=""/>
+        <p:cNvGrpSpPr/>
+        <p:nvPr/>
+      </p:nvGrpSpPr>
+      <p:grpSpPr>
+        <a:xfrm>
+          <a:off x="0" y="0"/>
+          <a:ext cx="0" cy="0"/>
+          <a:chOff x="0" y="0"/>
+          <a:chExt cx="0" cy="0"/>
+        </a:xfrm>
+      </p:grpSpPr>
+      <p:sp>
+        <p:nvSpPr>
+          <p:cNvPr id="13" name="TextBox 12">
+            <a:extLst>
+              <a:ext uri="{FF2B5EF4-FFF2-40B4-BE49-F238E27FC236}">
+                <a16:creationId xmlns:a16="http://schemas.microsoft.com/office/drawing/2014/main" id="{52E1BD4A-6F1D-540A-873F-E7206C0604A3}"/>
+              </a:ext>
+            </a:extLst>
+          </p:cNvPr>
+          <p:cNvSpPr txBox="1"/>
+          <p:nvPr/>
+        </p:nvSpPr>
+        <p:spPr>
+          <a:xfrm>
+            <a:off x="1221368" y="3086100"/>
+            <a:ext cx="15163800" cy="3709349"/>
+          </a:xfrm>
+          <a:prstGeom prst="rect">
+            <a:avLst/>
+          </a:prstGeom>
+          <a:noFill/>
+        </p:spPr>
+        <p:txBody>
+          <a:bodyPr wrap="square" rtlCol="0" anchor="ctr">
+            <a:spAutoFit/>
+          </a:bodyPr>
+          <a:lstStyle/>
+          <a:p>
+            <a:pPr marL="457200" indent="-457200">
+              <a:lnSpc>
+                <a:spcPct val="150000"/>
+              </a:lnSpc>
+              <a:buFont typeface="Wingdings" panose="05000000000000000000" pitchFamily="2" charset="2"/>
+              <a:buChar char="q"/>
+            </a:pPr>
+            <a:r>
+              <a:rPr lang="en-US" sz="3200" dirty="0">
+                <a:solidFill>
+                  <a:schemeClr val="bg1"/>
+                </a:solidFill>
+              </a:rPr>
+              <a:t>Debugging Java programs requires </a:t>
+            </a:r>
+            <a:r>
+              <a:rPr lang="en-US" sz="3200" b="1" dirty="0">
+                <a:solidFill>
+                  <a:schemeClr val="bg1"/>
+                </a:solidFill>
+              </a:rPr>
+              <a:t>analyzing huge execution traces</a:t>
+            </a:r>
+            <a:r>
+              <a:rPr lang="en-US" sz="3200" dirty="0">
+                <a:solidFill>
+                  <a:schemeClr val="bg1"/>
+                </a:solidFill>
+              </a:rPr>
+              <a:t>.</a:t>
+            </a:r>
+          </a:p>
+          <a:p>
+            <a:pPr marL="457200" indent="-457200">
+              <a:lnSpc>
+                <a:spcPct val="150000"/>
+              </a:lnSpc>
+              <a:buFont typeface="Wingdings" panose="05000000000000000000" pitchFamily="2" charset="2"/>
+              <a:buChar char="q"/>
+            </a:pPr>
+            <a:r>
+              <a:rPr lang="en-US" sz="3200" dirty="0">
+                <a:solidFill>
+                  <a:schemeClr val="bg1"/>
+                </a:solidFill>
+              </a:rPr>
+              <a:t>Traditional methods store </a:t>
+            </a:r>
+            <a:r>
+              <a:rPr lang="en-US" sz="3200" b="1" dirty="0">
+                <a:solidFill>
+                  <a:schemeClr val="bg1"/>
+                </a:solidFill>
+              </a:rPr>
+              <a:t>massive trace logs</a:t>
+            </a:r>
+            <a:r>
+              <a:rPr lang="en-US" sz="3200" dirty="0">
+                <a:solidFill>
+                  <a:schemeClr val="bg1"/>
+                </a:solidFill>
+              </a:rPr>
+              <a:t> — inefficient for memory and time.</a:t>
+            </a:r>
+          </a:p>
+          <a:p>
+            <a:pPr marL="457200" indent="-457200">
+              <a:lnSpc>
+                <a:spcPct val="150000"/>
+              </a:lnSpc>
+              <a:buFont typeface="Wingdings" panose="05000000000000000000" pitchFamily="2" charset="2"/>
+              <a:buChar char="q"/>
+            </a:pPr>
+            <a:r>
+              <a:rPr lang="en-US" sz="3200" b="1" dirty="0">
+                <a:solidFill>
+                  <a:schemeClr val="bg1"/>
+                </a:solidFill>
+              </a:rPr>
+              <a:t>Dynamic slicing</a:t>
+            </a:r>
+            <a:r>
+              <a:rPr lang="en-US" sz="3200" dirty="0">
+                <a:solidFill>
+                  <a:schemeClr val="bg1"/>
+                </a:solidFill>
+              </a:rPr>
+              <a:t> helps, but:</a:t>
+            </a:r>
+          </a:p>
+          <a:p>
+            <a:pPr marL="914400" lvl="1" indent="-457200">
+              <a:lnSpc>
+                <a:spcPct val="150000"/>
+              </a:lnSpc>
+              <a:buFont typeface="Wingdings" panose="05000000000000000000" pitchFamily="2" charset="2"/>
+              <a:buChar char="§"/>
+            </a:pPr>
+            <a:r>
+              <a:rPr lang="en-US" sz="3200" dirty="0">
+                <a:solidFill>
+                  <a:schemeClr val="bg1"/>
+                </a:solidFill>
+              </a:rPr>
+              <a:t>Traces can reach </a:t>
+            </a:r>
+            <a:r>
+              <a:rPr lang="en-US" sz="3200" b="1" dirty="0">
+                <a:solidFill>
+                  <a:schemeClr val="bg1"/>
+                </a:solidFill>
+              </a:rPr>
+              <a:t>hundreds of millions of instructions.</a:t>
+            </a:r>
+          </a:p>
+          <a:p>
+            <a:pPr marL="914400" lvl="1" indent="-457200">
+              <a:lnSpc>
+                <a:spcPct val="150000"/>
+              </a:lnSpc>
+              <a:buFont typeface="Wingdings" panose="05000000000000000000" pitchFamily="2" charset="2"/>
+              <a:buChar char="§"/>
+            </a:pPr>
+            <a:r>
+              <a:rPr lang="en-US" sz="3200" dirty="0">
+                <a:solidFill>
+                  <a:schemeClr val="bg1"/>
+                </a:solidFill>
+              </a:rPr>
+              <a:t>Decompressing them for analysis is slow and costly.</a:t>
+            </a:r>
+          </a:p>
+        </p:txBody>
+      </p:sp>
+      <p:sp>
+        <p:nvSpPr>
+          <p:cNvPr id="17" name="Freeform 6">
+            <a:extLst>
+              <a:ext uri="{FF2B5EF4-FFF2-40B4-BE49-F238E27FC236}">
+                <a16:creationId xmlns:a16="http://schemas.microsoft.com/office/drawing/2014/main" id="{24D78465-0E22-DEE5-B170-B5FCA0125663}"/>
+              </a:ext>
+            </a:extLst>
+          </p:cNvPr>
+          <p:cNvSpPr/>
+          <p:nvPr/>
+        </p:nvSpPr>
+        <p:spPr>
+          <a:xfrm rot="2899875" flipV="1">
+            <a:off x="3606" y="816120"/>
+            <a:ext cx="1766883" cy="744163"/>
+          </a:xfrm>
+          <a:custGeom>
+            <a:avLst/>
+            <a:gdLst/>
+            <a:ahLst/>
+            <a:cxnLst/>
+            <a:rect l="l" t="t" r="r" b="b"/>
+            <a:pathLst>
+              <a:path w="2508116" h="1071650">
+                <a:moveTo>
+                  <a:pt x="0" y="1071649"/>
+                </a:moveTo>
+                <a:lnTo>
+                  <a:pt x="2508116" y="1071649"/>
+                </a:lnTo>
+                <a:lnTo>
+                  <a:pt x="2508116" y="0"/>
+                </a:lnTo>
+                <a:lnTo>
+                  <a:pt x="0" y="0"/>
+                </a:lnTo>
+                <a:lnTo>
+                  <a:pt x="0" y="1071649"/>
+                </a:lnTo>
+                <a:close/>
+              </a:path>
+            </a:pathLst>
+          </a:custGeom>
+          <a:blipFill>
+            <a:blip r:embed="rId2">
+              <a:extLst>
+                <a:ext uri="{96DAC541-7B7A-43D3-8B79-37D633B846F1}">
+                  <asvg:svgBlip xmlns:asvg="http://schemas.microsoft.com/office/drawing/2016/SVG/main" r:embed="rId3"/>
+                </a:ext>
+              </a:extLst>
+            </a:blip>
+            <a:stretch>
+              <a:fillRect/>
+            </a:stretch>
+          </a:blipFill>
+        </p:spPr>
+        <p:txBody>
+          <a:bodyPr/>
+          <a:lstStyle/>
+          <a:p>
+            <a:endParaRPr lang="en-CA" dirty="0"/>
+          </a:p>
+        </p:txBody>
+      </p:sp>
+      <p:sp>
+        <p:nvSpPr>
+          <p:cNvPr id="18" name="Freeform 5">
+            <a:extLst>
+              <a:ext uri="{FF2B5EF4-FFF2-40B4-BE49-F238E27FC236}">
+                <a16:creationId xmlns:a16="http://schemas.microsoft.com/office/drawing/2014/main" id="{5C04AC67-E79F-4F88-3834-07E2A92BC3F0}"/>
+              </a:ext>
+            </a:extLst>
+          </p:cNvPr>
+          <p:cNvSpPr/>
+          <p:nvPr/>
+        </p:nvSpPr>
+        <p:spPr>
+          <a:xfrm rot="2700000">
+            <a:off x="10703478" y="1494350"/>
+            <a:ext cx="11359026" cy="3512253"/>
+          </a:xfrm>
+          <a:custGeom>
+            <a:avLst/>
+            <a:gdLst/>
+            <a:ahLst/>
+            <a:cxnLst/>
+            <a:rect l="l" t="t" r="r" b="b"/>
+            <a:pathLst>
+              <a:path w="11359026" h="3512253">
+                <a:moveTo>
+                  <a:pt x="0" y="0"/>
+                </a:moveTo>
+                <a:lnTo>
+                  <a:pt x="11359026" y="0"/>
+                </a:lnTo>
+                <a:lnTo>
+                  <a:pt x="11359026" y="3512254"/>
+                </a:lnTo>
+                <a:lnTo>
+                  <a:pt x="0" y="3512254"/>
+                </a:lnTo>
+                <a:lnTo>
+                  <a:pt x="0" y="0"/>
+                </a:lnTo>
+                <a:close/>
+              </a:path>
+            </a:pathLst>
+          </a:custGeom>
+          <a:blipFill>
+            <a:blip r:embed="rId4">
+              <a:extLst>
+                <a:ext uri="{96DAC541-7B7A-43D3-8B79-37D633B846F1}">
+                  <asvg:svgBlip xmlns:asvg="http://schemas.microsoft.com/office/drawing/2016/SVG/main" r:embed="rId5"/>
+                </a:ext>
+              </a:extLst>
+            </a:blip>
+            <a:stretch>
+              <a:fillRect/>
+            </a:stretch>
+          </a:blipFill>
+        </p:spPr>
+        <p:txBody>
+          <a:bodyPr/>
+          <a:lstStyle/>
+          <a:p>
+            <a:endParaRPr lang="en-CA"/>
+          </a:p>
+        </p:txBody>
+      </p:sp>
+    </p:spTree>
+  </p:cSld>
+  <p:clrMapOvr>
+    <a:masterClrMapping/>
+  </p:clrMapOvr>
+</p:sld>
+</file>
+
+<file path=ppt/slides/slide6.xml><?xml version="1.0" encoding="utf-8"?>
+<p:sld xmlns:a="http://schemas.openxmlformats.org/drawingml/2006/main" xmlns:r="http://schemas.openxmlformats.org/officeDocument/2006/relationships" xmlns:p="http://schemas.openxmlformats.org/presentationml/2006/main">
+  <p:cSld>
+    <p:bg>
+      <p:bgPr>
+        <a:gradFill rotWithShape="1">
+          <a:gsLst>
+            <a:gs pos="0">
+              <a:srgbClr val="2A2D32">
+                <a:alpha val="100000"/>
+              </a:srgbClr>
+            </a:gs>
+            <a:gs pos="100000">
+              <a:srgbClr val="2D2BAB">
+                <a:alpha val="100000"/>
+              </a:srgbClr>
+            </a:gs>
+          </a:gsLst>
+          <a:lin ang="0"/>
+        </a:gradFill>
+        <a:effectLst/>
+      </p:bgPr>
+    </p:bg>
+    <p:spTree>
+      <p:nvGrpSpPr>
+        <p:cNvPr id="1" name="">
+          <a:extLst>
+            <a:ext uri="{FF2B5EF4-FFF2-40B4-BE49-F238E27FC236}">
+              <a16:creationId xmlns:a16="http://schemas.microsoft.com/office/drawing/2014/main" id="{004FEB2F-DD37-0069-1B30-63FECE595095}"/>
+            </a:ext>
+          </a:extLst>
+        </p:cNvPr>
+        <p:cNvGrpSpPr/>
+        <p:nvPr/>
+      </p:nvGrpSpPr>
+      <p:grpSpPr>
+        <a:xfrm>
+          <a:off x="0" y="0"/>
+          <a:ext cx="0" cy="0"/>
+          <a:chOff x="0" y="0"/>
+          <a:chExt cx="0" cy="0"/>
+        </a:xfrm>
+      </p:grpSpPr>
+      <p:sp>
+        <p:nvSpPr>
+          <p:cNvPr id="18" name="Freeform 5">
+            <a:extLst>
+              <a:ext uri="{FF2B5EF4-FFF2-40B4-BE49-F238E27FC236}">
+                <a16:creationId xmlns:a16="http://schemas.microsoft.com/office/drawing/2014/main" id="{3B0A9170-5226-039C-AE8B-D88A2496BC9A}"/>
+              </a:ext>
+            </a:extLst>
+          </p:cNvPr>
+          <p:cNvSpPr/>
+          <p:nvPr/>
+        </p:nvSpPr>
+        <p:spPr>
+          <a:xfrm rot="2700000">
+            <a:off x="-3469721" y="6130573"/>
+            <a:ext cx="11359026" cy="3512253"/>
+          </a:xfrm>
+          <a:custGeom>
+            <a:avLst/>
+            <a:gdLst/>
+            <a:ahLst/>
+            <a:cxnLst/>
+            <a:rect l="l" t="t" r="r" b="b"/>
+            <a:pathLst>
+              <a:path w="11359026" h="3512253">
+                <a:moveTo>
+                  <a:pt x="0" y="0"/>
+                </a:moveTo>
+                <a:lnTo>
+                  <a:pt x="11359026" y="0"/>
+                </a:lnTo>
+                <a:lnTo>
+                  <a:pt x="11359026" y="3512254"/>
+                </a:lnTo>
+                <a:lnTo>
+                  <a:pt x="0" y="3512254"/>
+                </a:lnTo>
+                <a:lnTo>
+                  <a:pt x="0" y="0"/>
+                </a:lnTo>
+                <a:close/>
+              </a:path>
+            </a:pathLst>
+          </a:custGeom>
+          <a:blipFill>
+            <a:blip r:embed="rId2">
+              <a:extLst>
+                <a:ext uri="{96DAC541-7B7A-43D3-8B79-37D633B846F1}">
+                  <asvg:svgBlip xmlns:asvg="http://schemas.microsoft.com/office/drawing/2016/SVG/main" r:embed="rId3"/>
+                </a:ext>
+              </a:extLst>
+            </a:blip>
+            <a:stretch>
+              <a:fillRect/>
+            </a:stretch>
+          </a:blipFill>
+        </p:spPr>
+        <p:txBody>
+          <a:bodyPr/>
+          <a:lstStyle/>
+          <a:p>
+            <a:endParaRPr lang="en-CA" dirty="0"/>
+          </a:p>
+        </p:txBody>
+      </p:sp>
+      <p:sp>
+        <p:nvSpPr>
+          <p:cNvPr id="2" name="TextBox 1">
+            <a:extLst>
+              <a:ext uri="{FF2B5EF4-FFF2-40B4-BE49-F238E27FC236}">
+                <a16:creationId xmlns:a16="http://schemas.microsoft.com/office/drawing/2014/main" id="{D4B74A50-ACD8-8AAD-7548-2B0980094B50}"/>
+              </a:ext>
+            </a:extLst>
+          </p:cNvPr>
+          <p:cNvSpPr txBox="1"/>
+          <p:nvPr/>
+        </p:nvSpPr>
+        <p:spPr>
+          <a:xfrm>
+            <a:off x="990600" y="1882229"/>
+            <a:ext cx="17602200" cy="1493358"/>
+          </a:xfrm>
+          <a:prstGeom prst="rect">
+            <a:avLst/>
+          </a:prstGeom>
+          <a:noFill/>
+        </p:spPr>
+        <p:txBody>
+          <a:bodyPr wrap="square" rtlCol="0" anchor="ctr">
+            <a:spAutoFit/>
+          </a:bodyPr>
+          <a:lstStyle/>
+          <a:p>
+            <a:pPr marL="457200" indent="-457200">
+              <a:lnSpc>
+                <a:spcPct val="150000"/>
+              </a:lnSpc>
+              <a:buFont typeface="Wingdings" panose="05000000000000000000" pitchFamily="2" charset="2"/>
+              <a:buChar char="q"/>
+            </a:pPr>
+            <a:r>
+              <a:rPr lang="en-US" sz="3200" dirty="0">
+                <a:solidFill>
+                  <a:schemeClr val="bg1"/>
+                </a:solidFill>
+              </a:rPr>
+              <a:t>The authors propose </a:t>
+            </a:r>
+            <a:r>
+              <a:rPr lang="en-US" sz="3200" b="1" dirty="0">
+                <a:solidFill>
+                  <a:schemeClr val="bg1"/>
+                </a:solidFill>
+              </a:rPr>
+              <a:t>compressing traces on-the-fly</a:t>
+            </a:r>
+            <a:r>
+              <a:rPr lang="en-US" sz="3200" dirty="0">
+                <a:solidFill>
+                  <a:schemeClr val="bg1"/>
+                </a:solidFill>
+              </a:rPr>
+              <a:t> using </a:t>
+            </a:r>
+            <a:r>
+              <a:rPr lang="en-US" sz="3200" b="1" dirty="0">
+                <a:solidFill>
+                  <a:schemeClr val="bg1"/>
+                </a:solidFill>
+              </a:rPr>
+              <a:t>RLESe (Run-Length Encoding SEQUITUR).</a:t>
+            </a:r>
+          </a:p>
+          <a:p>
+            <a:pPr marL="457200" indent="-457200">
+              <a:lnSpc>
+                <a:spcPct val="150000"/>
+              </a:lnSpc>
+              <a:buFont typeface="Wingdings" panose="05000000000000000000" pitchFamily="2" charset="2"/>
+              <a:buChar char="q"/>
+            </a:pPr>
+            <a:r>
+              <a:rPr lang="en-US" sz="3200" dirty="0">
+                <a:solidFill>
+                  <a:schemeClr val="bg1"/>
+                </a:solidFill>
+              </a:rPr>
+              <a:t>Debugging can now happen </a:t>
+            </a:r>
+            <a:r>
+              <a:rPr lang="en-US" sz="3200" b="1" dirty="0">
+                <a:solidFill>
+                  <a:schemeClr val="bg1"/>
+                </a:solidFill>
+              </a:rPr>
+              <a:t>directly on compressed traces</a:t>
+            </a:r>
+            <a:r>
+              <a:rPr lang="en-US" sz="3200" dirty="0">
+                <a:solidFill>
+                  <a:schemeClr val="bg1"/>
+                </a:solidFill>
+              </a:rPr>
+              <a:t> — no decompression needed.</a:t>
+            </a:r>
+          </a:p>
+        </p:txBody>
+      </p:sp>
+      <p:sp>
+        <p:nvSpPr>
+          <p:cNvPr id="5" name="TextBox 4">
+            <a:extLst>
+              <a:ext uri="{FF2B5EF4-FFF2-40B4-BE49-F238E27FC236}">
+                <a16:creationId xmlns:a16="http://schemas.microsoft.com/office/drawing/2014/main" id="{2820A4E8-53EE-B3FF-B815-05A5B8CECA83}"/>
+              </a:ext>
+            </a:extLst>
+          </p:cNvPr>
+          <p:cNvSpPr txBox="1"/>
+          <p:nvPr/>
+        </p:nvSpPr>
+        <p:spPr>
+          <a:xfrm>
+            <a:off x="4953000" y="6987114"/>
+            <a:ext cx="9753600" cy="1493358"/>
+          </a:xfrm>
+          <a:prstGeom prst="rect">
+            <a:avLst/>
+          </a:prstGeom>
+          <a:noFill/>
+        </p:spPr>
+        <p:txBody>
+          <a:bodyPr wrap="square" rtlCol="0" anchor="ctr">
+            <a:spAutoFit/>
+          </a:bodyPr>
+          <a:lstStyle/>
+          <a:p>
+            <a:pPr lvl="1">
+              <a:lnSpc>
+                <a:spcPct val="150000"/>
+              </a:lnSpc>
+            </a:pPr>
+            <a:r>
+              <a:rPr lang="en-US" sz="3200" dirty="0">
+                <a:solidFill>
+                  <a:schemeClr val="bg1"/>
+                </a:solidFill>
+              </a:rPr>
+              <a:t>Debugging should work like checking a summary of repeated actions instead of reading every single detail.</a:t>
+            </a:r>
+          </a:p>
+        </p:txBody>
+      </p:sp>
+      <p:sp>
+        <p:nvSpPr>
+          <p:cNvPr id="3" name="TextBox 2">
+            <a:extLst>
+              <a:ext uri="{FF2B5EF4-FFF2-40B4-BE49-F238E27FC236}">
+                <a16:creationId xmlns:a16="http://schemas.microsoft.com/office/drawing/2014/main" id="{9D4617BA-52E2-9EF4-C369-F88C1EC5B859}"/>
+              </a:ext>
+            </a:extLst>
+          </p:cNvPr>
+          <p:cNvSpPr txBox="1"/>
+          <p:nvPr/>
+        </p:nvSpPr>
+        <p:spPr>
+          <a:xfrm>
+            <a:off x="7876608" y="5905500"/>
+            <a:ext cx="2534784" cy="712283"/>
+          </a:xfrm>
+          <a:prstGeom prst="rect">
+            <a:avLst/>
+          </a:prstGeom>
+          <a:noFill/>
+        </p:spPr>
+        <p:txBody>
+          <a:bodyPr wrap="square" rtlCol="0">
+            <a:spAutoFit/>
+          </a:bodyPr>
+          <a:lstStyle/>
+          <a:p>
+            <a:r>
+              <a:rPr lang="en-CA" sz="4800" b="1" dirty="0">
+                <a:solidFill>
+                  <a:schemeClr val="bg1"/>
+                </a:solidFill>
+                <a:latin typeface="Bradley Hand ITC" panose="03070402050302030203" pitchFamily="66" charset="0"/>
+              </a:rPr>
+              <a:t>Insight</a:t>
+            </a:r>
+            <a:r>
+              <a:rPr lang="en-CA" sz="4800" b="1" dirty="0">
+                <a:solidFill>
+                  <a:schemeClr val="bg1"/>
+                </a:solidFill>
+                <a:latin typeface="Baguet Script" panose="020F0502020204030204" pitchFamily="2" charset="0"/>
+              </a:rPr>
+              <a:t> ?</a:t>
+            </a:r>
+          </a:p>
+        </p:txBody>
+      </p:sp>
+      <p:sp>
+        <p:nvSpPr>
+          <p:cNvPr id="14" name="Freeform 6">
+            <a:extLst>
+              <a:ext uri="{FF2B5EF4-FFF2-40B4-BE49-F238E27FC236}">
+                <a16:creationId xmlns:a16="http://schemas.microsoft.com/office/drawing/2014/main" id="{1C010FB5-D017-B007-494C-FB40F2AC0D6C}"/>
+              </a:ext>
+            </a:extLst>
+          </p:cNvPr>
+          <p:cNvSpPr/>
+          <p:nvPr/>
+        </p:nvSpPr>
+        <p:spPr>
+          <a:xfrm rot="1966725" flipV="1">
+            <a:off x="5187993" y="4477151"/>
+            <a:ext cx="2370650" cy="1116352"/>
+          </a:xfrm>
+          <a:custGeom>
+            <a:avLst/>
+            <a:gdLst/>
+            <a:ahLst/>
+            <a:cxnLst/>
+            <a:rect l="l" t="t" r="r" b="b"/>
+            <a:pathLst>
+              <a:path w="2508116" h="1071650">
+                <a:moveTo>
+                  <a:pt x="0" y="1071649"/>
+                </a:moveTo>
+                <a:lnTo>
+                  <a:pt x="2508116" y="1071649"/>
+                </a:lnTo>
+                <a:lnTo>
+                  <a:pt x="2508116" y="0"/>
+                </a:lnTo>
+                <a:lnTo>
+                  <a:pt x="0" y="0"/>
+                </a:lnTo>
+                <a:lnTo>
+                  <a:pt x="0" y="1071649"/>
+                </a:lnTo>
+                <a:close/>
+              </a:path>
+            </a:pathLst>
+          </a:custGeom>
+          <a:blipFill>
+            <a:blip r:embed="rId4">
+              <a:extLst>
+                <a:ext uri="{96DAC541-7B7A-43D3-8B79-37D633B846F1}">
+                  <asvg:svgBlip xmlns:asvg="http://schemas.microsoft.com/office/drawing/2016/SVG/main" r:embed="rId5"/>
+                </a:ext>
+              </a:extLst>
+            </a:blip>
+            <a:stretch>
+              <a:fillRect/>
+            </a:stretch>
+          </a:blipFill>
+        </p:spPr>
+        <p:txBody>
+          <a:bodyPr/>
+          <a:lstStyle/>
+          <a:p>
+            <a:endParaRPr lang="en-CA" dirty="0"/>
+          </a:p>
+        </p:txBody>
+      </p:sp>
+    </p:spTree>
+    <p:extLst>
+      <p:ext uri="{BB962C8B-B14F-4D97-AF65-F5344CB8AC3E}">
+        <p14:creationId xmlns:p14="http://schemas.microsoft.com/office/powerpoint/2010/main" val="2876854958"/>
       </p:ext>
     </p:extLst>
   </p:cSld>
@@ -14746,7 +14746,7 @@
         </p:nvSpPr>
         <p:spPr>
           <a:xfrm>
-            <a:off x="1219200" y="2095502"/>
+            <a:off x="887047" y="3242712"/>
             <a:ext cx="15163800" cy="2232021"/>
           </a:xfrm>
           <a:prstGeom prst="rect">
@@ -14891,8 +14891,8 @@
         </p:nvSpPr>
         <p:spPr>
           <a:xfrm>
-            <a:off x="1219200" y="4648766"/>
-            <a:ext cx="10822576" cy="3709349"/>
+            <a:off x="1219200" y="6698140"/>
+            <a:ext cx="10822576" cy="1493358"/>
           </a:xfrm>
           <a:prstGeom prst="rect">
             <a:avLst/>
@@ -14932,55 +14932,6 @@
                 <a:schemeClr val="bg1"/>
               </a:solidFill>
             </a:endParaRPr>
-          </a:p>
-          <a:p>
-            <a:pPr>
-              <a:lnSpc>
-                <a:spcPct val="150000"/>
-              </a:lnSpc>
-            </a:pPr>
-            <a:r>
-              <a:rPr lang="en-US" sz="3200" dirty="0">
-                <a:solidFill>
-                  <a:schemeClr val="bg1"/>
-                </a:solidFill>
-              </a:rPr>
-              <a:t>Why It’s Better ?</a:t>
-            </a:r>
-          </a:p>
-          <a:p>
-            <a:pPr marL="914400" lvl="1" indent="-457200">
-              <a:lnSpc>
-                <a:spcPct val="150000"/>
-              </a:lnSpc>
-              <a:buFont typeface="Wingdings" panose="05000000000000000000" pitchFamily="2" charset="2"/>
-              <a:buChar char="q"/>
-            </a:pPr>
-            <a:r>
-              <a:rPr lang="en-US" sz="3200" dirty="0">
-                <a:solidFill>
-                  <a:schemeClr val="bg1"/>
-                </a:solidFill>
-              </a:rPr>
-              <a:t>Traditional SEQUITUR struggles with repeated patterns.</a:t>
-            </a:r>
-          </a:p>
-          <a:p>
-            <a:pPr marL="914400" lvl="1" indent="-457200">
-              <a:lnSpc>
-                <a:spcPct val="150000"/>
-              </a:lnSpc>
-              <a:buFont typeface="Wingdings" panose="05000000000000000000" pitchFamily="2" charset="2"/>
-              <a:buChar char="q"/>
-            </a:pPr>
-            <a:r>
-              <a:rPr lang="en-US" sz="3200" dirty="0">
-                <a:solidFill>
-                  <a:schemeClr val="bg1"/>
-                </a:solidFill>
-              </a:rPr>
-              <a:t>RLESe tracks run-lengths to simplify patterns.</a:t>
-            </a:r>
           </a:p>
         </p:txBody>
       </p:sp>
